--- a/data/DSPP_Project.pptx
+++ b/data/DSPP_Project.pptx
@@ -6,13 +6,14 @@
     <p:sldMasterId id="2147483684" r:id="rId2"/>
   </p:sldMasterIdLst>
   <p:notesMasterIdLst>
-    <p:notesMasterId r:id="rId7"/>
+    <p:notesMasterId r:id="rId8"/>
   </p:notesMasterIdLst>
   <p:sldIdLst>
-    <p:sldId id="495" r:id="rId3"/>
-    <p:sldId id="569" r:id="rId4"/>
+    <p:sldId id="569" r:id="rId3"/>
+    <p:sldId id="503" r:id="rId4"/>
     <p:sldId id="490" r:id="rId5"/>
     <p:sldId id="494" r:id="rId6"/>
+    <p:sldId id="570" r:id="rId7"/>
   </p:sldIdLst>
   <p:sldSz cx="12192000" cy="6858000"/>
   <p:notesSz cx="6858000" cy="9144000"/>
@@ -122,6 +123,7 @@
 <file path=ppt/revisionInfo.xml><?xml version="1.0" encoding="utf-8"?>
 <p1510:revInfo xmlns:a="http://schemas.openxmlformats.org/drawingml/2006/main" xmlns:r="http://schemas.openxmlformats.org/officeDocument/2006/relationships" xmlns:p1510="http://schemas.microsoft.com/office/powerpoint/2015/10/main">
   <p1510:revLst>
+    <p1510:client id="{2D67E97C-8472-473F-83AD-1344646E6436}" v="16" dt="2023-09-15T05:51:16.961"/>
     <p1510:client id="{F84CE12C-3DC4-46BE-93B7-2F0303A61250}" v="93" dt="2023-09-14T12:15:45.684"/>
   </p1510:revLst>
 </p1510:revInfo>
@@ -3001,8 +3003,8 @@
   </pc:docChgLst>
   <pc:docChgLst>
     <pc:chgData name="Dénes" userId="f3f680a857a6f265" providerId="LiveId" clId="{2D67E97C-8472-473F-83AD-1344646E6436}"/>
-    <pc:docChg chg="delSld delMainMaster delSection">
-      <pc:chgData name="Dénes" userId="f3f680a857a6f265" providerId="LiveId" clId="{2D67E97C-8472-473F-83AD-1344646E6436}" dt="2023-09-15T04:26:37.812" v="2" actId="47"/>
+    <pc:docChg chg="undo redo custSel addSld delSld modSld sldOrd delMainMaster delSection">
+      <pc:chgData name="Dénes" userId="f3f680a857a6f265" providerId="LiveId" clId="{2D67E97C-8472-473F-83AD-1344646E6436}" dt="2023-09-15T05:51:36.549" v="106" actId="14734"/>
       <pc:docMkLst>
         <pc:docMk/>
       </pc:docMkLst>
@@ -3447,6 +3449,45 @@
           <pc:sldMk cId="3093989411" sldId="489"/>
         </pc:sldMkLst>
       </pc:sldChg>
+      <pc:sldChg chg="addSp delSp modSp mod">
+        <pc:chgData name="Dénes" userId="f3f680a857a6f265" providerId="LiveId" clId="{2D67E97C-8472-473F-83AD-1344646E6436}" dt="2023-09-15T05:41:30.564" v="41" actId="14100"/>
+        <pc:sldMkLst>
+          <pc:docMk/>
+          <pc:sldMk cId="3123482004" sldId="490"/>
+        </pc:sldMkLst>
+        <pc:spChg chg="mod">
+          <ac:chgData name="Dénes" userId="f3f680a857a6f265" providerId="LiveId" clId="{2D67E97C-8472-473F-83AD-1344646E6436}" dt="2023-09-15T05:39:00.847" v="8" actId="20577"/>
+          <ac:spMkLst>
+            <pc:docMk/>
+            <pc:sldMk cId="3123482004" sldId="490"/>
+            <ac:spMk id="2" creationId="{FC4383FA-EEB7-47D9-935D-7234D206AD1E}"/>
+          </ac:spMkLst>
+        </pc:spChg>
+        <pc:spChg chg="add del">
+          <ac:chgData name="Dénes" userId="f3f680a857a6f265" providerId="LiveId" clId="{2D67E97C-8472-473F-83AD-1344646E6436}" dt="2023-09-15T05:39:18.474" v="10"/>
+          <ac:spMkLst>
+            <pc:docMk/>
+            <pc:sldMk cId="3123482004" sldId="490"/>
+            <ac:spMk id="3" creationId="{3D680D79-D24F-C552-5E5D-3F431A7E0A80}"/>
+          </ac:spMkLst>
+        </pc:spChg>
+        <pc:spChg chg="mod">
+          <ac:chgData name="Dénes" userId="f3f680a857a6f265" providerId="LiveId" clId="{2D67E97C-8472-473F-83AD-1344646E6436}" dt="2023-09-15T05:41:30.564" v="41" actId="14100"/>
+          <ac:spMkLst>
+            <pc:docMk/>
+            <pc:sldMk cId="3123482004" sldId="490"/>
+            <ac:spMk id="4" creationId="{A6587861-B11D-83FD-A720-E9750E61B93C}"/>
+          </ac:spMkLst>
+        </pc:spChg>
+        <pc:spChg chg="add del">
+          <ac:chgData name="Dénes" userId="f3f680a857a6f265" providerId="LiveId" clId="{2D67E97C-8472-473F-83AD-1344646E6436}" dt="2023-09-15T05:40:24.504" v="23"/>
+          <ac:spMkLst>
+            <pc:docMk/>
+            <pc:sldMk cId="3123482004" sldId="490"/>
+            <ac:spMk id="6" creationId="{9BC820C6-35D7-102F-3CEC-0C78527D8286}"/>
+          </ac:spMkLst>
+        </pc:spChg>
+      </pc:sldChg>
       <pc:sldChg chg="del">
         <pc:chgData name="Dénes" userId="f3f680a857a6f265" providerId="LiveId" clId="{2D67E97C-8472-473F-83AD-1344646E6436}" dt="2023-09-15T04:26:25.731" v="1" actId="47"/>
         <pc:sldMkLst>
@@ -3455,6 +3496,13 @@
         </pc:sldMkLst>
       </pc:sldChg>
       <pc:sldChg chg="del">
+        <pc:chgData name="Dénes" userId="f3f680a857a6f265" providerId="LiveId" clId="{2D67E97C-8472-473F-83AD-1344646E6436}" dt="2023-09-15T05:38:50.032" v="3" actId="47"/>
+        <pc:sldMkLst>
+          <pc:docMk/>
+          <pc:sldMk cId="2880729840" sldId="495"/>
+        </pc:sldMkLst>
+      </pc:sldChg>
+      <pc:sldChg chg="del">
         <pc:chgData name="Dénes" userId="f3f680a857a6f265" providerId="LiveId" clId="{2D67E97C-8472-473F-83AD-1344646E6436}" dt="2023-09-15T04:26:37.812" v="2" actId="47"/>
         <pc:sldMkLst>
           <pc:docMk/>
@@ -3503,6 +3551,45 @@
           <pc:sldMk cId="3199540335" sldId="503"/>
         </pc:sldMkLst>
       </pc:sldChg>
+      <pc:sldChg chg="addSp delSp modSp add del mod setBg">
+        <pc:chgData name="Dénes" userId="f3f680a857a6f265" providerId="LiveId" clId="{2D67E97C-8472-473F-83AD-1344646E6436}" dt="2023-09-15T05:51:36.549" v="106" actId="14734"/>
+        <pc:sldMkLst>
+          <pc:docMk/>
+          <pc:sldMk cId="3917720279" sldId="503"/>
+        </pc:sldMkLst>
+        <pc:spChg chg="add del mod">
+          <ac:chgData name="Dénes" userId="f3f680a857a6f265" providerId="LiveId" clId="{2D67E97C-8472-473F-83AD-1344646E6436}" dt="2023-09-15T05:51:16.961" v="102" actId="478"/>
+          <ac:spMkLst>
+            <pc:docMk/>
+            <pc:sldMk cId="3917720279" sldId="503"/>
+            <ac:spMk id="3" creationId="{1E9318D5-A379-581A-0102-3FAF7A5A26BA}"/>
+          </ac:spMkLst>
+        </pc:spChg>
+        <pc:spChg chg="mod">
+          <ac:chgData name="Dénes" userId="f3f680a857a6f265" providerId="LiveId" clId="{2D67E97C-8472-473F-83AD-1344646E6436}" dt="2023-09-15T05:43:19.155" v="83" actId="20577"/>
+          <ac:spMkLst>
+            <pc:docMk/>
+            <pc:sldMk cId="3917720279" sldId="503"/>
+            <ac:spMk id="6" creationId="{8AF64D35-05E0-08B6-5BD9-0B7749181FA6}"/>
+          </ac:spMkLst>
+        </pc:spChg>
+        <pc:graphicFrameChg chg="add mod modGraphic">
+          <ac:chgData name="Dénes" userId="f3f680a857a6f265" providerId="LiveId" clId="{2D67E97C-8472-473F-83AD-1344646E6436}" dt="2023-09-15T05:51:36.549" v="106" actId="14734"/>
+          <ac:graphicFrameMkLst>
+            <pc:docMk/>
+            <pc:sldMk cId="3917720279" sldId="503"/>
+            <ac:graphicFrameMk id="2" creationId="{5FEDBE6A-0048-61FA-2C65-1000ACE46E3D}"/>
+          </ac:graphicFrameMkLst>
+        </pc:graphicFrameChg>
+        <pc:graphicFrameChg chg="del mod">
+          <ac:chgData name="Dénes" userId="f3f680a857a6f265" providerId="LiveId" clId="{2D67E97C-8472-473F-83AD-1344646E6436}" dt="2023-09-15T05:49:56.458" v="85" actId="478"/>
+          <ac:graphicFrameMkLst>
+            <pc:docMk/>
+            <pc:sldMk cId="3917720279" sldId="503"/>
+            <ac:graphicFrameMk id="7" creationId="{8B471291-E800-AC89-7634-E3968F6E5D60}"/>
+          </ac:graphicFrameMkLst>
+        </pc:graphicFrameChg>
+      </pc:sldChg>
       <pc:sldChg chg="del">
         <pc:chgData name="Dénes" userId="f3f680a857a6f265" providerId="LiveId" clId="{2D67E97C-8472-473F-83AD-1344646E6436}" dt="2023-09-15T04:26:25.731" v="1" actId="47"/>
         <pc:sldMkLst>
@@ -3956,6 +4043,28 @@
         <pc:sldMkLst>
           <pc:docMk/>
           <pc:sldMk cId="1058933024" sldId="568"/>
+        </pc:sldMkLst>
+      </pc:sldChg>
+      <pc:sldChg chg="modSp mod">
+        <pc:chgData name="Dénes" userId="f3f680a857a6f265" providerId="LiveId" clId="{2D67E97C-8472-473F-83AD-1344646E6436}" dt="2023-09-15T05:43:10.496" v="76" actId="20577"/>
+        <pc:sldMkLst>
+          <pc:docMk/>
+          <pc:sldMk cId="1360297229" sldId="569"/>
+        </pc:sldMkLst>
+        <pc:spChg chg="mod">
+          <ac:chgData name="Dénes" userId="f3f680a857a6f265" providerId="LiveId" clId="{2D67E97C-8472-473F-83AD-1344646E6436}" dt="2023-09-15T05:43:10.496" v="76" actId="20577"/>
+          <ac:spMkLst>
+            <pc:docMk/>
+            <pc:sldMk cId="1360297229" sldId="569"/>
+            <ac:spMk id="10" creationId="{0CFE3747-1FBF-E8B2-00EB-A39708C95920}"/>
+          </ac:spMkLst>
+        </pc:spChg>
+      </pc:sldChg>
+      <pc:sldChg chg="add ord">
+        <pc:chgData name="Dénes" userId="f3f680a857a6f265" providerId="LiveId" clId="{2D67E97C-8472-473F-83AD-1344646E6436}" dt="2023-09-15T05:40:20.299" v="21"/>
+        <pc:sldMkLst>
+          <pc:docMk/>
+          <pc:sldMk cId="1354367836" sldId="570"/>
         </pc:sldMkLst>
       </pc:sldChg>
       <pc:sldChg chg="del">
@@ -11408,152 +11517,6 @@
           <a:chExt cx="0" cy="0"/>
         </a:xfrm>
       </p:grpSpPr>
-      <p:sp>
-        <p:nvSpPr>
-          <p:cNvPr id="2" name="Title 1">
-            <a:extLst>
-              <a:ext uri="{FF2B5EF4-FFF2-40B4-BE49-F238E27FC236}">
-                <a16:creationId xmlns:a16="http://schemas.microsoft.com/office/drawing/2014/main" id="{FC4383FA-EEB7-47D9-935D-7234D206AD1E}"/>
-              </a:ext>
-            </a:extLst>
-          </p:cNvPr>
-          <p:cNvSpPr>
-            <a:spLocks noGrp="1"/>
-          </p:cNvSpPr>
-          <p:nvPr>
-            <p:ph type="ctrTitle"/>
-          </p:nvPr>
-        </p:nvSpPr>
-        <p:spPr>
-          <a:xfrm>
-            <a:off x="798580" y="1200219"/>
-            <a:ext cx="9658174" cy="2387600"/>
-          </a:xfrm>
-        </p:spPr>
-        <p:txBody>
-          <a:bodyPr>
-            <a:normAutofit/>
-          </a:bodyPr>
-          <a:lstStyle/>
-          <a:p>
-            <a:pPr algn="l"/>
-            <a:r>
-              <a:rPr lang="en-US" dirty="0">
-                <a:solidFill>
-                  <a:schemeClr val="bg1"/>
-                </a:solidFill>
-                <a:latin typeface="Circular Std Book" panose="020B0604020101020102" pitchFamily="34" charset="0"/>
-                <a:cs typeface="Circular Std Book" panose="020B0604020101020102" pitchFamily="34" charset="0"/>
-              </a:rPr>
-              <a:t>Data project</a:t>
-            </a:r>
-            <a:r>
-              <a:rPr lang="en-GB" dirty="0">
-                <a:solidFill>
-                  <a:srgbClr val="36B7B4"/>
-                </a:solidFill>
-                <a:latin typeface="Circular Std Book" panose="020B0604020101020102" pitchFamily="34" charset="0"/>
-                <a:cs typeface="Circular Std Book" panose="020B0604020101020102" pitchFamily="34" charset="0"/>
-              </a:rPr>
-              <a:t>.</a:t>
-            </a:r>
-            <a:br>
-              <a:rPr lang="en-GB" dirty="0">
-                <a:solidFill>
-                  <a:srgbClr val="36B7B4"/>
-                </a:solidFill>
-                <a:latin typeface="Circular Std Book" panose="020B0604020101020102" pitchFamily="34" charset="0"/>
-                <a:cs typeface="Circular Std Book" panose="020B0604020101020102" pitchFamily="34" charset="0"/>
-              </a:rPr>
-            </a:br>
-            <a:r>
-              <a:rPr lang="en-GB" sz="2800" i="1" dirty="0">
-                <a:solidFill>
-                  <a:srgbClr val="36B7B4"/>
-                </a:solidFill>
-                <a:latin typeface="Times New Roman" panose="02020603050405020304" pitchFamily="18" charset="0"/>
-                <a:cs typeface="Times New Roman" panose="02020603050405020304" pitchFamily="18" charset="0"/>
-              </a:rPr>
-              <a:t>Data visualisation portfolio</a:t>
-            </a:r>
-            <a:endParaRPr lang="en-GB" i="1" dirty="0">
-              <a:solidFill>
-                <a:srgbClr val="36B7B4"/>
-              </a:solidFill>
-              <a:latin typeface="Times New Roman" panose="02020603050405020304" pitchFamily="18" charset="0"/>
-              <a:cs typeface="Times New Roman" panose="02020603050405020304" pitchFamily="18" charset="0"/>
-            </a:endParaRPr>
-          </a:p>
-        </p:txBody>
-      </p:sp>
-      <p:pic>
-        <p:nvPicPr>
-          <p:cNvPr id="5" name="Picture 4">
-            <a:extLst>
-              <a:ext uri="{FF2B5EF4-FFF2-40B4-BE49-F238E27FC236}">
-                <a16:creationId xmlns:a16="http://schemas.microsoft.com/office/drawing/2014/main" id="{97B3923A-B3CB-4769-ACC7-75A98286FC65}"/>
-              </a:ext>
-            </a:extLst>
-          </p:cNvPr>
-          <p:cNvPicPr>
-            <a:picLocks noChangeAspect="1"/>
-          </p:cNvPicPr>
-          <p:nvPr/>
-        </p:nvPicPr>
-        <p:blipFill>
-          <a:blip r:embed="rId2"/>
-          <a:stretch>
-            <a:fillRect/>
-          </a:stretch>
-        </p:blipFill>
-        <p:spPr>
-          <a:xfrm rot="10800000">
-            <a:off x="8982075" y="186232"/>
-            <a:ext cx="3209925" cy="6105525"/>
-          </a:xfrm>
-          <a:prstGeom prst="rect">
-            <a:avLst/>
-          </a:prstGeom>
-        </p:spPr>
-      </p:pic>
-    </p:spTree>
-    <p:extLst>
-      <p:ext uri="{BB962C8B-B14F-4D97-AF65-F5344CB8AC3E}">
-        <p14:creationId xmlns:p14="http://schemas.microsoft.com/office/powerpoint/2010/main" val="2880729840"/>
-      </p:ext>
-    </p:extLst>
-  </p:cSld>
-  <p:clrMapOvr>
-    <a:masterClrMapping/>
-  </p:clrMapOvr>
-</p:sld>
-</file>
-
-<file path=ppt/slides/slide2.xml><?xml version="1.0" encoding="utf-8"?>
-<p:sld xmlns:a="http://schemas.openxmlformats.org/drawingml/2006/main" xmlns:r="http://schemas.openxmlformats.org/officeDocument/2006/relationships" xmlns:p="http://schemas.openxmlformats.org/presentationml/2006/main">
-  <p:cSld>
-    <p:bg>
-      <p:bgPr>
-        <a:solidFill>
-          <a:srgbClr val="122B39"/>
-        </a:solidFill>
-        <a:effectLst/>
-      </p:bgPr>
-    </p:bg>
-    <p:spTree>
-      <p:nvGrpSpPr>
-        <p:cNvPr id="1" name=""/>
-        <p:cNvGrpSpPr/>
-        <p:nvPr/>
-      </p:nvGrpSpPr>
-      <p:grpSpPr>
-        <a:xfrm>
-          <a:off x="0" y="0"/>
-          <a:ext cx="0" cy="0"/>
-          <a:chOff x="0" y="0"/>
-          <a:chExt cx="0" cy="0"/>
-        </a:xfrm>
-      </p:grpSpPr>
       <p:pic>
         <p:nvPicPr>
           <p:cNvPr id="5" name="Picture 4">
@@ -11745,6 +11708,1154 @@
     <p:extLst>
       <p:ext uri="{BB962C8B-B14F-4D97-AF65-F5344CB8AC3E}">
         <p14:creationId xmlns:p14="http://schemas.microsoft.com/office/powerpoint/2010/main" val="1360297229"/>
+      </p:ext>
+    </p:extLst>
+  </p:cSld>
+  <p:clrMapOvr>
+    <a:masterClrMapping/>
+  </p:clrMapOvr>
+</p:sld>
+</file>
+
+<file path=ppt/slides/slide2.xml><?xml version="1.0" encoding="utf-8"?>
+<p:sld xmlns:a="http://schemas.openxmlformats.org/drawingml/2006/main" xmlns:r="http://schemas.openxmlformats.org/officeDocument/2006/relationships" xmlns:p="http://schemas.openxmlformats.org/presentationml/2006/main">
+  <p:cSld>
+    <p:bg>
+      <p:bgPr>
+        <a:solidFill>
+          <a:srgbClr val="122B39"/>
+        </a:solidFill>
+        <a:effectLst/>
+      </p:bgPr>
+    </p:bg>
+    <p:spTree>
+      <p:nvGrpSpPr>
+        <p:cNvPr id="1" name=""/>
+        <p:cNvGrpSpPr/>
+        <p:nvPr/>
+      </p:nvGrpSpPr>
+      <p:grpSpPr>
+        <a:xfrm>
+          <a:off x="0" y="0"/>
+          <a:ext cx="0" cy="0"/>
+          <a:chOff x="0" y="0"/>
+          <a:chExt cx="0" cy="0"/>
+        </a:xfrm>
+      </p:grpSpPr>
+      <p:sp>
+        <p:nvSpPr>
+          <p:cNvPr id="6" name="Google Shape;249;p3">
+            <a:extLst>
+              <a:ext uri="{FF2B5EF4-FFF2-40B4-BE49-F238E27FC236}">
+                <a16:creationId xmlns:a16="http://schemas.microsoft.com/office/drawing/2014/main" id="{8AF64D35-05E0-08B6-5BD9-0B7749181FA6}"/>
+              </a:ext>
+            </a:extLst>
+          </p:cNvPr>
+          <p:cNvSpPr txBox="1">
+            <a:spLocks noGrp="1"/>
+          </p:cNvSpPr>
+          <p:nvPr>
+            <p:ph type="ctrTitle"/>
+          </p:nvPr>
+        </p:nvSpPr>
+        <p:spPr>
+          <a:xfrm>
+            <a:off x="884111" y="390008"/>
+            <a:ext cx="9658174" cy="964483"/>
+          </a:xfrm>
+          <a:prstGeom prst="rect">
+            <a:avLst/>
+          </a:prstGeom>
+          <a:noFill/>
+          <a:ln>
+            <a:noFill/>
+          </a:ln>
+        </p:spPr>
+        <p:txBody>
+          <a:bodyPr spcFirstLastPara="1" wrap="square" lIns="91425" tIns="45700" rIns="91425" bIns="45700" anchor="b" anchorCtr="0">
+            <a:normAutofit/>
+          </a:bodyPr>
+          <a:lstStyle/>
+          <a:p>
+            <a:pPr marL="0" lvl="0" indent="0" algn="l" rtl="0">
+              <a:lnSpc>
+                <a:spcPct val="90000"/>
+              </a:lnSpc>
+              <a:spcBef>
+                <a:spcPts val="0"/>
+              </a:spcBef>
+              <a:spcAft>
+                <a:spcPts val="0"/>
+              </a:spcAft>
+              <a:buClr>
+                <a:schemeClr val="lt1"/>
+              </a:buClr>
+              <a:buSzPts val="6000"/>
+              <a:buFont typeface="Arial"/>
+              <a:buNone/>
+            </a:pPr>
+            <a:r>
+              <a:rPr lang="en-GB" dirty="0">
+                <a:solidFill>
+                  <a:schemeClr val="lt1"/>
+                </a:solidFill>
+                <a:latin typeface="Circular Std Book" panose="020B0604020101020102" pitchFamily="34" charset="77"/>
+                <a:ea typeface="Arial"/>
+                <a:cs typeface="Circular Std Book" panose="020B0604020101020102" pitchFamily="34" charset="77"/>
+                <a:sym typeface="Arial"/>
+              </a:rPr>
+              <a:t>Bringing it all together</a:t>
+            </a:r>
+            <a:r>
+              <a:rPr lang="en-GB" dirty="0">
+                <a:solidFill>
+                  <a:srgbClr val="36B7B4"/>
+                </a:solidFill>
+                <a:latin typeface="Circular Std Book" panose="020B0604020101020102" pitchFamily="34" charset="77"/>
+                <a:ea typeface="Arial"/>
+                <a:cs typeface="Circular Std Book" panose="020B0604020101020102" pitchFamily="34" charset="77"/>
+                <a:sym typeface="Arial"/>
+              </a:rPr>
+              <a:t>.</a:t>
+            </a:r>
+            <a:endParaRPr dirty="0">
+              <a:solidFill>
+                <a:srgbClr val="36B7B4"/>
+              </a:solidFill>
+              <a:latin typeface="Circular Std Book" panose="020B0604020101020102" pitchFamily="34" charset="77"/>
+              <a:ea typeface="Times New Roman"/>
+              <a:cs typeface="Circular Std Book" panose="020B0604020101020102" pitchFamily="34" charset="77"/>
+              <a:sym typeface="Times New Roman"/>
+            </a:endParaRPr>
+          </a:p>
+        </p:txBody>
+      </p:sp>
+      <p:graphicFrame>
+        <p:nvGraphicFramePr>
+          <p:cNvPr id="2" name="Table 1">
+            <a:extLst>
+              <a:ext uri="{FF2B5EF4-FFF2-40B4-BE49-F238E27FC236}">
+                <a16:creationId xmlns:a16="http://schemas.microsoft.com/office/drawing/2014/main" id="{5FEDBE6A-0048-61FA-2C65-1000ACE46E3D}"/>
+              </a:ext>
+            </a:extLst>
+          </p:cNvPr>
+          <p:cNvGraphicFramePr>
+            <a:graphicFrameLocks noGrp="1"/>
+          </p:cNvGraphicFramePr>
+          <p:nvPr>
+            <p:extLst>
+              <p:ext uri="{D42A27DB-BD31-4B8C-83A1-F6EECF244321}">
+                <p14:modId xmlns:p14="http://schemas.microsoft.com/office/powerpoint/2010/main" val="1982667377"/>
+              </p:ext>
+            </p:extLst>
+          </p:nvPr>
+        </p:nvGraphicFramePr>
+        <p:xfrm>
+          <a:off x="930075" y="1912402"/>
+          <a:ext cx="10340789" cy="3976335"/>
+        </p:xfrm>
+        <a:graphic>
+          <a:graphicData uri="http://schemas.openxmlformats.org/drawingml/2006/table">
+            <a:tbl>
+              <a:tblPr>
+                <a:tableStyleId>{5C22544A-7EE6-4342-B048-85BDC9FD1C3A}</a:tableStyleId>
+              </a:tblPr>
+              <a:tblGrid>
+                <a:gridCol w="1631610">
+                  <a:extLst>
+                    <a:ext uri="{9D8B030D-6E8A-4147-A177-3AD203B41FA5}">
+                      <a16:colId xmlns:a16="http://schemas.microsoft.com/office/drawing/2014/main" val="1174716386"/>
+                    </a:ext>
+                  </a:extLst>
+                </a:gridCol>
+                <a:gridCol w="4460503">
+                  <a:extLst>
+                    <a:ext uri="{9D8B030D-6E8A-4147-A177-3AD203B41FA5}">
+                      <a16:colId xmlns:a16="http://schemas.microsoft.com/office/drawing/2014/main" val="3434996002"/>
+                    </a:ext>
+                  </a:extLst>
+                </a:gridCol>
+                <a:gridCol w="4248676">
+                  <a:extLst>
+                    <a:ext uri="{9D8B030D-6E8A-4147-A177-3AD203B41FA5}">
+                      <a16:colId xmlns:a16="http://schemas.microsoft.com/office/drawing/2014/main" val="2272867527"/>
+                    </a:ext>
+                  </a:extLst>
+                </a:gridCol>
+              </a:tblGrid>
+              <a:tr h="795267">
+                <a:tc>
+                  <a:txBody>
+                    <a:bodyPr/>
+                    <a:lstStyle/>
+                    <a:p>
+                      <a:pPr marL="0" marR="0" algn="l">
+                        <a:lnSpc>
+                          <a:spcPct val="107000"/>
+                        </a:lnSpc>
+                        <a:spcBef>
+                          <a:spcPts val="0"/>
+                        </a:spcBef>
+                        <a:spcAft>
+                          <a:spcPts val="800"/>
+                        </a:spcAft>
+                      </a:pPr>
+                      <a:r>
+                        <a:rPr lang="en-GB" sz="1800" b="1" kern="100" dirty="0">
+                          <a:solidFill>
+                            <a:srgbClr val="F4C245"/>
+                          </a:solidFill>
+                          <a:effectLst/>
+                          <a:latin typeface="Circular Std Book" panose="020B0604020101020102" pitchFamily="34" charset="0"/>
+                          <a:cs typeface="Circular Std Book" panose="020B0604020101020102" pitchFamily="34" charset="0"/>
+                        </a:rPr>
+                        <a:t>Session</a:t>
+                      </a:r>
+                      <a:endParaRPr lang="en-US" sz="1800" b="1" kern="100" dirty="0">
+                        <a:solidFill>
+                          <a:srgbClr val="F4C245"/>
+                        </a:solidFill>
+                        <a:effectLst/>
+                        <a:latin typeface="Circular Std Book" panose="020B0604020101020102" pitchFamily="34" charset="0"/>
+                        <a:ea typeface="Calibri" panose="020F0502020204030204" pitchFamily="34" charset="0"/>
+                        <a:cs typeface="Circular Std Book" panose="020B0604020101020102" pitchFamily="34" charset="0"/>
+                      </a:endParaRPr>
+                    </a:p>
+                  </a:txBody>
+                  <a:tcPr marL="41275" marR="41275" marT="19050" marB="19050" anchor="ctr">
+                    <a:lnL w="12700" cmpd="sng">
+                      <a:noFill/>
+                    </a:lnL>
+                    <a:lnR w="12700" cmpd="sng">
+                      <a:noFill/>
+                    </a:lnR>
+                    <a:lnT w="12700" cmpd="sng">
+                      <a:noFill/>
+                    </a:lnT>
+                    <a:lnB w="12700" cmpd="sng">
+                      <a:noFill/>
+                    </a:lnB>
+                    <a:lnTlToBr w="12700" cmpd="sng">
+                      <a:noFill/>
+                      <a:prstDash val="solid"/>
+                    </a:lnTlToBr>
+                    <a:lnBlToTr w="12700" cmpd="sng">
+                      <a:noFill/>
+                      <a:prstDash val="solid"/>
+                    </a:lnBlToTr>
+                    <a:noFill/>
+                  </a:tcPr>
+                </a:tc>
+                <a:tc>
+                  <a:txBody>
+                    <a:bodyPr/>
+                    <a:lstStyle/>
+                    <a:p>
+                      <a:pPr marL="0" marR="0" algn="l">
+                        <a:lnSpc>
+                          <a:spcPct val="107000"/>
+                        </a:lnSpc>
+                        <a:spcBef>
+                          <a:spcPts val="0"/>
+                        </a:spcBef>
+                        <a:spcAft>
+                          <a:spcPts val="800"/>
+                        </a:spcAft>
+                      </a:pPr>
+                      <a:r>
+                        <a:rPr lang="en-GB" sz="1800" b="1" kern="100" dirty="0">
+                          <a:solidFill>
+                            <a:schemeClr val="bg1"/>
+                          </a:solidFill>
+                          <a:effectLst/>
+                          <a:latin typeface="Circular Std Book" panose="020B0604020101020102" pitchFamily="34" charset="0"/>
+                          <a:cs typeface="Circular Std Book" panose="020B0604020101020102" pitchFamily="34" charset="0"/>
+                        </a:rPr>
+                        <a:t>Theory</a:t>
+                      </a:r>
+                      <a:endParaRPr lang="en-US" sz="1800" b="1" kern="100" dirty="0">
+                        <a:solidFill>
+                          <a:schemeClr val="bg1"/>
+                        </a:solidFill>
+                        <a:effectLst/>
+                        <a:latin typeface="Circular Std Book" panose="020B0604020101020102" pitchFamily="34" charset="0"/>
+                        <a:ea typeface="Calibri" panose="020F0502020204030204" pitchFamily="34" charset="0"/>
+                        <a:cs typeface="Circular Std Book" panose="020B0604020101020102" pitchFamily="34" charset="0"/>
+                      </a:endParaRPr>
+                    </a:p>
+                  </a:txBody>
+                  <a:tcPr marL="41275" marR="41275" marT="19050" marB="19050" anchor="ctr">
+                    <a:lnL w="12700" cmpd="sng">
+                      <a:noFill/>
+                    </a:lnL>
+                    <a:lnR w="12700" cmpd="sng">
+                      <a:noFill/>
+                    </a:lnR>
+                    <a:lnT w="12700" cmpd="sng">
+                      <a:noFill/>
+                    </a:lnT>
+                    <a:lnB w="12700" cmpd="sng">
+                      <a:noFill/>
+                    </a:lnB>
+                    <a:lnTlToBr w="12700" cmpd="sng">
+                      <a:noFill/>
+                      <a:prstDash val="solid"/>
+                    </a:lnTlToBr>
+                    <a:lnBlToTr w="12700" cmpd="sng">
+                      <a:noFill/>
+                      <a:prstDash val="solid"/>
+                    </a:lnBlToTr>
+                    <a:noFill/>
+                  </a:tcPr>
+                </a:tc>
+                <a:tc>
+                  <a:txBody>
+                    <a:bodyPr/>
+                    <a:lstStyle/>
+                    <a:p>
+                      <a:pPr marL="0" marR="0" algn="l">
+                        <a:lnSpc>
+                          <a:spcPct val="107000"/>
+                        </a:lnSpc>
+                        <a:spcBef>
+                          <a:spcPts val="0"/>
+                        </a:spcBef>
+                        <a:spcAft>
+                          <a:spcPts val="800"/>
+                        </a:spcAft>
+                      </a:pPr>
+                      <a:r>
+                        <a:rPr lang="en-GB" sz="1800" b="1" kern="100" dirty="0">
+                          <a:solidFill>
+                            <a:srgbClr val="36B7B4"/>
+                          </a:solidFill>
+                          <a:effectLst/>
+                          <a:latin typeface="Circular Std Book" panose="020B0604020101020102" pitchFamily="34" charset="0"/>
+                          <a:cs typeface="Circular Std Book" panose="020B0604020101020102" pitchFamily="34" charset="0"/>
+                        </a:rPr>
+                        <a:t>Practical</a:t>
+                      </a:r>
+                      <a:endParaRPr lang="en-US" sz="1800" b="1" kern="100" dirty="0">
+                        <a:solidFill>
+                          <a:srgbClr val="36B7B4"/>
+                        </a:solidFill>
+                        <a:effectLst/>
+                        <a:latin typeface="Circular Std Book" panose="020B0604020101020102" pitchFamily="34" charset="0"/>
+                        <a:ea typeface="Calibri" panose="020F0502020204030204" pitchFamily="34" charset="0"/>
+                        <a:cs typeface="Circular Std Book" panose="020B0604020101020102" pitchFamily="34" charset="0"/>
+                      </a:endParaRPr>
+                    </a:p>
+                  </a:txBody>
+                  <a:tcPr marL="0" marR="0" marT="0" marB="0" anchor="ctr">
+                    <a:lnL w="12700" cmpd="sng">
+                      <a:noFill/>
+                    </a:lnL>
+                    <a:lnR w="12700" cmpd="sng">
+                      <a:noFill/>
+                    </a:lnR>
+                    <a:lnT w="12700" cmpd="sng">
+                      <a:noFill/>
+                    </a:lnT>
+                    <a:lnB w="12700" cmpd="sng">
+                      <a:noFill/>
+                    </a:lnB>
+                    <a:lnTlToBr w="12700" cmpd="sng">
+                      <a:noFill/>
+                      <a:prstDash val="solid"/>
+                    </a:lnTlToBr>
+                    <a:lnBlToTr w="12700" cmpd="sng">
+                      <a:noFill/>
+                      <a:prstDash val="solid"/>
+                    </a:lnBlToTr>
+                    <a:noFill/>
+                  </a:tcPr>
+                </a:tc>
+                <a:extLst>
+                  <a:ext uri="{0D108BD9-81ED-4DB2-BD59-A6C34878D82A}">
+                    <a16:rowId xmlns:a16="http://schemas.microsoft.com/office/drawing/2014/main" val="1512595422"/>
+                  </a:ext>
+                </a:extLst>
+              </a:tr>
+              <a:tr h="795267">
+                <a:tc>
+                  <a:txBody>
+                    <a:bodyPr/>
+                    <a:lstStyle/>
+                    <a:p>
+                      <a:pPr marL="0" marR="0" algn="l">
+                        <a:lnSpc>
+                          <a:spcPct val="107000"/>
+                        </a:lnSpc>
+                        <a:spcBef>
+                          <a:spcPts val="0"/>
+                        </a:spcBef>
+                        <a:spcAft>
+                          <a:spcPts val="800"/>
+                        </a:spcAft>
+                      </a:pPr>
+                      <a:r>
+                        <a:rPr lang="en-GB" sz="1800" kern="100" dirty="0">
+                          <a:solidFill>
+                            <a:srgbClr val="F4C245"/>
+                          </a:solidFill>
+                          <a:effectLst/>
+                          <a:latin typeface="Circular Std Book" panose="020B0604020101020102" pitchFamily="34" charset="0"/>
+                          <a:cs typeface="Circular Std Book" panose="020B0604020101020102" pitchFamily="34" charset="0"/>
+                        </a:rPr>
+                        <a:t>Session 1</a:t>
+                      </a:r>
+                      <a:endParaRPr lang="en-US" sz="1800" kern="100" dirty="0">
+                        <a:solidFill>
+                          <a:srgbClr val="F4C245"/>
+                        </a:solidFill>
+                        <a:effectLst/>
+                        <a:latin typeface="Circular Std Book" panose="020B0604020101020102" pitchFamily="34" charset="0"/>
+                        <a:ea typeface="Calibri" panose="020F0502020204030204" pitchFamily="34" charset="0"/>
+                        <a:cs typeface="Circular Std Book" panose="020B0604020101020102" pitchFamily="34" charset="0"/>
+                      </a:endParaRPr>
+                    </a:p>
+                  </a:txBody>
+                  <a:tcPr marL="41275" marR="41275" marT="19050" marB="19050" anchor="ctr">
+                    <a:lnL w="12700" cmpd="sng">
+                      <a:noFill/>
+                    </a:lnL>
+                    <a:lnR w="12700" cmpd="sng">
+                      <a:noFill/>
+                    </a:lnR>
+                    <a:lnT w="12700" cmpd="sng">
+                      <a:noFill/>
+                    </a:lnT>
+                    <a:lnB w="12700" cmpd="sng">
+                      <a:noFill/>
+                    </a:lnB>
+                    <a:lnTlToBr w="12700" cmpd="sng">
+                      <a:noFill/>
+                      <a:prstDash val="solid"/>
+                    </a:lnTlToBr>
+                    <a:lnBlToTr w="12700" cmpd="sng">
+                      <a:noFill/>
+                      <a:prstDash val="solid"/>
+                    </a:lnBlToTr>
+                    <a:noFill/>
+                  </a:tcPr>
+                </a:tc>
+                <a:tc>
+                  <a:txBody>
+                    <a:bodyPr/>
+                    <a:lstStyle/>
+                    <a:p>
+                      <a:pPr marL="0" marR="0" algn="l">
+                        <a:lnSpc>
+                          <a:spcPct val="107000"/>
+                        </a:lnSpc>
+                        <a:spcBef>
+                          <a:spcPts val="0"/>
+                        </a:spcBef>
+                        <a:spcAft>
+                          <a:spcPts val="800"/>
+                        </a:spcAft>
+                      </a:pPr>
+                      <a:r>
+                        <a:rPr lang="en-GB" sz="1800" kern="100" dirty="0">
+                          <a:solidFill>
+                            <a:schemeClr val="bg1"/>
+                          </a:solidFill>
+                          <a:effectLst/>
+                          <a:latin typeface="Circular Std Book" panose="020B0604020101020102" pitchFamily="34" charset="0"/>
+                          <a:cs typeface="Circular Std Book" panose="020B0604020101020102" pitchFamily="34" charset="0"/>
+                        </a:rPr>
+                        <a:t>Building your first website</a:t>
+                      </a:r>
+                      <a:endParaRPr lang="en-US" sz="1800" kern="100" dirty="0">
+                        <a:solidFill>
+                          <a:schemeClr val="bg1"/>
+                        </a:solidFill>
+                        <a:effectLst/>
+                        <a:latin typeface="Circular Std Book" panose="020B0604020101020102" pitchFamily="34" charset="0"/>
+                        <a:ea typeface="Calibri" panose="020F0502020204030204" pitchFamily="34" charset="0"/>
+                        <a:cs typeface="Circular Std Book" panose="020B0604020101020102" pitchFamily="34" charset="0"/>
+                      </a:endParaRPr>
+                    </a:p>
+                  </a:txBody>
+                  <a:tcPr marL="41275" marR="41275" marT="19050" marB="19050" anchor="ctr">
+                    <a:lnL w="12700" cmpd="sng">
+                      <a:noFill/>
+                    </a:lnL>
+                    <a:lnR w="12700" cmpd="sng">
+                      <a:noFill/>
+                    </a:lnR>
+                    <a:lnT w="12700" cmpd="sng">
+                      <a:noFill/>
+                    </a:lnT>
+                    <a:lnB w="12700" cmpd="sng">
+                      <a:noFill/>
+                    </a:lnB>
+                    <a:lnTlToBr w="12700" cmpd="sng">
+                      <a:noFill/>
+                      <a:prstDash val="solid"/>
+                    </a:lnTlToBr>
+                    <a:lnBlToTr w="12700" cmpd="sng">
+                      <a:noFill/>
+                      <a:prstDash val="solid"/>
+                    </a:lnBlToTr>
+                    <a:noFill/>
+                  </a:tcPr>
+                </a:tc>
+                <a:tc>
+                  <a:txBody>
+                    <a:bodyPr/>
+                    <a:lstStyle/>
+                    <a:p>
+                      <a:pPr marL="0" marR="0" algn="l">
+                        <a:lnSpc>
+                          <a:spcPct val="107000"/>
+                        </a:lnSpc>
+                        <a:spcBef>
+                          <a:spcPts val="0"/>
+                        </a:spcBef>
+                        <a:spcAft>
+                          <a:spcPts val="800"/>
+                        </a:spcAft>
+                      </a:pPr>
+                      <a:r>
+                        <a:rPr lang="en-GB" sz="1800" kern="100" dirty="0">
+                          <a:solidFill>
+                            <a:srgbClr val="36B7B4"/>
+                          </a:solidFill>
+                          <a:effectLst/>
+                          <a:latin typeface="Circular Std Book" panose="020B0604020101020102" pitchFamily="34" charset="0"/>
+                          <a:cs typeface="Circular Std Book" panose="020B0604020101020102" pitchFamily="34" charset="0"/>
+                        </a:rPr>
+                        <a:t>A functioning website that is live on the internet, with several charts</a:t>
+                      </a:r>
+                      <a:endParaRPr lang="en-US" sz="1800" kern="100" dirty="0">
+                        <a:solidFill>
+                          <a:srgbClr val="36B7B4"/>
+                        </a:solidFill>
+                        <a:effectLst/>
+                        <a:latin typeface="Circular Std Book" panose="020B0604020101020102" pitchFamily="34" charset="0"/>
+                        <a:ea typeface="Calibri" panose="020F0502020204030204" pitchFamily="34" charset="0"/>
+                        <a:cs typeface="Circular Std Book" panose="020B0604020101020102" pitchFamily="34" charset="0"/>
+                      </a:endParaRPr>
+                    </a:p>
+                  </a:txBody>
+                  <a:tcPr marL="0" marR="0" marT="0" marB="0" anchor="ctr">
+                    <a:lnL w="12700" cmpd="sng">
+                      <a:noFill/>
+                    </a:lnL>
+                    <a:lnR w="12700" cmpd="sng">
+                      <a:noFill/>
+                    </a:lnR>
+                    <a:lnT w="12700" cmpd="sng">
+                      <a:noFill/>
+                    </a:lnT>
+                    <a:lnB w="12700" cmpd="sng">
+                      <a:noFill/>
+                    </a:lnB>
+                    <a:lnTlToBr w="12700" cmpd="sng">
+                      <a:noFill/>
+                      <a:prstDash val="solid"/>
+                    </a:lnTlToBr>
+                    <a:lnBlToTr w="12700" cmpd="sng">
+                      <a:noFill/>
+                      <a:prstDash val="solid"/>
+                    </a:lnBlToTr>
+                    <a:noFill/>
+                  </a:tcPr>
+                </a:tc>
+                <a:extLst>
+                  <a:ext uri="{0D108BD9-81ED-4DB2-BD59-A6C34878D82A}">
+                    <a16:rowId xmlns:a16="http://schemas.microsoft.com/office/drawing/2014/main" val="3921521813"/>
+                  </a:ext>
+                </a:extLst>
+              </a:tr>
+              <a:tr h="795267">
+                <a:tc>
+                  <a:txBody>
+                    <a:bodyPr/>
+                    <a:lstStyle/>
+                    <a:p>
+                      <a:pPr marL="0" marR="0" algn="l">
+                        <a:lnSpc>
+                          <a:spcPct val="107000"/>
+                        </a:lnSpc>
+                        <a:spcBef>
+                          <a:spcPts val="0"/>
+                        </a:spcBef>
+                        <a:spcAft>
+                          <a:spcPts val="800"/>
+                        </a:spcAft>
+                      </a:pPr>
+                      <a:r>
+                        <a:rPr lang="en-GB" sz="1800" kern="100" dirty="0">
+                          <a:solidFill>
+                            <a:srgbClr val="F4C245"/>
+                          </a:solidFill>
+                          <a:effectLst/>
+                          <a:latin typeface="Circular Std Book" panose="020B0604020101020102" pitchFamily="34" charset="0"/>
+                          <a:cs typeface="Circular Std Book" panose="020B0604020101020102" pitchFamily="34" charset="0"/>
+                        </a:rPr>
+                        <a:t>Session 2</a:t>
+                      </a:r>
+                      <a:endParaRPr lang="en-US" sz="1800" kern="100" dirty="0">
+                        <a:solidFill>
+                          <a:srgbClr val="F4C245"/>
+                        </a:solidFill>
+                        <a:effectLst/>
+                        <a:latin typeface="Circular Std Book" panose="020B0604020101020102" pitchFamily="34" charset="0"/>
+                        <a:ea typeface="Calibri" panose="020F0502020204030204" pitchFamily="34" charset="0"/>
+                        <a:cs typeface="Circular Std Book" panose="020B0604020101020102" pitchFamily="34" charset="0"/>
+                      </a:endParaRPr>
+                    </a:p>
+                  </a:txBody>
+                  <a:tcPr marL="41275" marR="41275" marT="19050" marB="19050" anchor="ctr">
+                    <a:lnL w="12700" cmpd="sng">
+                      <a:noFill/>
+                    </a:lnL>
+                    <a:lnR w="12700" cmpd="sng">
+                      <a:noFill/>
+                    </a:lnR>
+                    <a:lnT w="12700" cmpd="sng">
+                      <a:noFill/>
+                    </a:lnT>
+                    <a:lnB w="12700" cmpd="sng">
+                      <a:noFill/>
+                    </a:lnB>
+                    <a:lnTlToBr w="12700" cmpd="sng">
+                      <a:noFill/>
+                      <a:prstDash val="solid"/>
+                    </a:lnTlToBr>
+                    <a:lnBlToTr w="12700" cmpd="sng">
+                      <a:noFill/>
+                      <a:prstDash val="solid"/>
+                    </a:lnBlToTr>
+                    <a:noFill/>
+                  </a:tcPr>
+                </a:tc>
+                <a:tc>
+                  <a:txBody>
+                    <a:bodyPr/>
+                    <a:lstStyle/>
+                    <a:p>
+                      <a:pPr marL="0" marR="0" algn="l">
+                        <a:lnSpc>
+                          <a:spcPct val="107000"/>
+                        </a:lnSpc>
+                        <a:spcBef>
+                          <a:spcPts val="0"/>
+                        </a:spcBef>
+                        <a:spcAft>
+                          <a:spcPts val="800"/>
+                        </a:spcAft>
+                      </a:pPr>
+                      <a:r>
+                        <a:rPr lang="en-GB" sz="1800" kern="100" dirty="0">
+                          <a:solidFill>
+                            <a:schemeClr val="bg1"/>
+                          </a:solidFill>
+                          <a:effectLst/>
+                          <a:latin typeface="Circular Std Book" panose="020B0604020101020102" pitchFamily="34" charset="0"/>
+                          <a:cs typeface="Circular Std Book" panose="020B0604020101020102" pitchFamily="34" charset="0"/>
+                        </a:rPr>
+                        <a:t>Introduction to data processing</a:t>
+                      </a:r>
+                      <a:endParaRPr lang="en-US" sz="1800" kern="100" dirty="0">
+                        <a:solidFill>
+                          <a:schemeClr val="bg1"/>
+                        </a:solidFill>
+                        <a:effectLst/>
+                        <a:latin typeface="Circular Std Book" panose="020B0604020101020102" pitchFamily="34" charset="0"/>
+                        <a:ea typeface="Calibri" panose="020F0502020204030204" pitchFamily="34" charset="0"/>
+                        <a:cs typeface="Circular Std Book" panose="020B0604020101020102" pitchFamily="34" charset="0"/>
+                      </a:endParaRPr>
+                    </a:p>
+                  </a:txBody>
+                  <a:tcPr marL="41275" marR="41275" marT="19050" marB="19050" anchor="ctr">
+                    <a:lnL w="12700" cmpd="sng">
+                      <a:noFill/>
+                    </a:lnL>
+                    <a:lnR w="12700" cmpd="sng">
+                      <a:noFill/>
+                    </a:lnR>
+                    <a:lnT w="12700" cmpd="sng">
+                      <a:noFill/>
+                    </a:lnT>
+                    <a:lnB w="12700" cmpd="sng">
+                      <a:noFill/>
+                    </a:lnB>
+                    <a:lnTlToBr w="12700" cmpd="sng">
+                      <a:noFill/>
+                      <a:prstDash val="solid"/>
+                    </a:lnTlToBr>
+                    <a:lnBlToTr w="12700" cmpd="sng">
+                      <a:noFill/>
+                      <a:prstDash val="solid"/>
+                    </a:lnBlToTr>
+                    <a:noFill/>
+                  </a:tcPr>
+                </a:tc>
+                <a:tc>
+                  <a:txBody>
+                    <a:bodyPr/>
+                    <a:lstStyle/>
+                    <a:p>
+                      <a:pPr marL="0" marR="0" algn="l">
+                        <a:lnSpc>
+                          <a:spcPct val="107000"/>
+                        </a:lnSpc>
+                        <a:spcBef>
+                          <a:spcPts val="0"/>
+                        </a:spcBef>
+                        <a:spcAft>
+                          <a:spcPts val="800"/>
+                        </a:spcAft>
+                      </a:pPr>
+                      <a:r>
+                        <a:rPr lang="en-GB" sz="1800" kern="100" dirty="0">
+                          <a:solidFill>
+                            <a:srgbClr val="36B7B4"/>
+                          </a:solidFill>
+                          <a:effectLst/>
+                          <a:latin typeface="Circular Std Book" panose="020B0604020101020102" pitchFamily="34" charset="0"/>
+                          <a:cs typeface="Circular Std Book" panose="020B0604020101020102" pitchFamily="34" charset="0"/>
+                        </a:rPr>
+                        <a:t>Exploring multiple ways to embed charts into pages and data into charts</a:t>
+                      </a:r>
+                      <a:endParaRPr lang="en-US" sz="1800" kern="100" dirty="0">
+                        <a:solidFill>
+                          <a:srgbClr val="36B7B4"/>
+                        </a:solidFill>
+                        <a:effectLst/>
+                        <a:latin typeface="Circular Std Book" panose="020B0604020101020102" pitchFamily="34" charset="0"/>
+                        <a:ea typeface="Calibri" panose="020F0502020204030204" pitchFamily="34" charset="0"/>
+                        <a:cs typeface="Circular Std Book" panose="020B0604020101020102" pitchFamily="34" charset="0"/>
+                      </a:endParaRPr>
+                    </a:p>
+                  </a:txBody>
+                  <a:tcPr marL="0" marR="0" marT="0" marB="0" anchor="ctr">
+                    <a:lnL w="12700" cmpd="sng">
+                      <a:noFill/>
+                    </a:lnL>
+                    <a:lnR w="12700" cmpd="sng">
+                      <a:noFill/>
+                    </a:lnR>
+                    <a:lnT w="12700" cmpd="sng">
+                      <a:noFill/>
+                    </a:lnT>
+                    <a:lnB w="12700" cmpd="sng">
+                      <a:noFill/>
+                    </a:lnB>
+                    <a:lnTlToBr w="12700" cmpd="sng">
+                      <a:noFill/>
+                      <a:prstDash val="solid"/>
+                    </a:lnTlToBr>
+                    <a:lnBlToTr w="12700" cmpd="sng">
+                      <a:noFill/>
+                      <a:prstDash val="solid"/>
+                    </a:lnBlToTr>
+                    <a:noFill/>
+                  </a:tcPr>
+                </a:tc>
+                <a:extLst>
+                  <a:ext uri="{0D108BD9-81ED-4DB2-BD59-A6C34878D82A}">
+                    <a16:rowId xmlns:a16="http://schemas.microsoft.com/office/drawing/2014/main" val="3138779187"/>
+                  </a:ext>
+                </a:extLst>
+              </a:tr>
+              <a:tr h="795267">
+                <a:tc>
+                  <a:txBody>
+                    <a:bodyPr/>
+                    <a:lstStyle/>
+                    <a:p>
+                      <a:pPr marL="0" marR="0" algn="l">
+                        <a:lnSpc>
+                          <a:spcPct val="107000"/>
+                        </a:lnSpc>
+                        <a:spcBef>
+                          <a:spcPts val="0"/>
+                        </a:spcBef>
+                        <a:spcAft>
+                          <a:spcPts val="800"/>
+                        </a:spcAft>
+                      </a:pPr>
+                      <a:r>
+                        <a:rPr lang="en-GB" sz="1800" kern="100" dirty="0">
+                          <a:solidFill>
+                            <a:srgbClr val="F4C245"/>
+                          </a:solidFill>
+                          <a:effectLst/>
+                          <a:latin typeface="Circular Std Book" panose="020B0604020101020102" pitchFamily="34" charset="0"/>
+                          <a:cs typeface="Circular Std Book" panose="020B0604020101020102" pitchFamily="34" charset="0"/>
+                        </a:rPr>
+                        <a:t>Session 3</a:t>
+                      </a:r>
+                      <a:endParaRPr lang="en-US" sz="1800" kern="100" dirty="0">
+                        <a:solidFill>
+                          <a:srgbClr val="F4C245"/>
+                        </a:solidFill>
+                        <a:effectLst/>
+                        <a:latin typeface="Circular Std Book" panose="020B0604020101020102" pitchFamily="34" charset="0"/>
+                        <a:ea typeface="Calibri" panose="020F0502020204030204" pitchFamily="34" charset="0"/>
+                        <a:cs typeface="Circular Std Book" panose="020B0604020101020102" pitchFamily="34" charset="0"/>
+                      </a:endParaRPr>
+                    </a:p>
+                  </a:txBody>
+                  <a:tcPr marL="41275" marR="41275" marT="19050" marB="19050" anchor="ctr">
+                    <a:lnL w="12700" cmpd="sng">
+                      <a:noFill/>
+                    </a:lnL>
+                    <a:lnR w="12700" cmpd="sng">
+                      <a:noFill/>
+                    </a:lnR>
+                    <a:lnT w="12700" cmpd="sng">
+                      <a:noFill/>
+                    </a:lnT>
+                    <a:lnB w="12700" cmpd="sng">
+                      <a:noFill/>
+                    </a:lnB>
+                    <a:lnTlToBr w="12700" cmpd="sng">
+                      <a:noFill/>
+                      <a:prstDash val="solid"/>
+                    </a:lnTlToBr>
+                    <a:lnBlToTr w="12700" cmpd="sng">
+                      <a:noFill/>
+                      <a:prstDash val="solid"/>
+                    </a:lnBlToTr>
+                    <a:noFill/>
+                  </a:tcPr>
+                </a:tc>
+                <a:tc>
+                  <a:txBody>
+                    <a:bodyPr/>
+                    <a:lstStyle/>
+                    <a:p>
+                      <a:pPr marL="0" marR="0" algn="l">
+                        <a:lnSpc>
+                          <a:spcPct val="107000"/>
+                        </a:lnSpc>
+                        <a:spcBef>
+                          <a:spcPts val="0"/>
+                        </a:spcBef>
+                        <a:spcAft>
+                          <a:spcPts val="800"/>
+                        </a:spcAft>
+                      </a:pPr>
+                      <a:r>
+                        <a:rPr lang="en-GB" sz="1800" kern="100" dirty="0">
+                          <a:solidFill>
+                            <a:schemeClr val="bg1"/>
+                          </a:solidFill>
+                          <a:effectLst/>
+                          <a:latin typeface="Circular Std Book" panose="020B0604020101020102" pitchFamily="34" charset="0"/>
+                          <a:cs typeface="Circular Std Book" panose="020B0604020101020102" pitchFamily="34" charset="0"/>
+                        </a:rPr>
+                        <a:t>Accessing data programmatically</a:t>
+                      </a:r>
+                      <a:endParaRPr lang="en-US" sz="1800" kern="100" dirty="0">
+                        <a:solidFill>
+                          <a:schemeClr val="bg1"/>
+                        </a:solidFill>
+                        <a:effectLst/>
+                        <a:latin typeface="Circular Std Book" panose="020B0604020101020102" pitchFamily="34" charset="0"/>
+                        <a:ea typeface="Calibri" panose="020F0502020204030204" pitchFamily="34" charset="0"/>
+                        <a:cs typeface="Circular Std Book" panose="020B0604020101020102" pitchFamily="34" charset="0"/>
+                      </a:endParaRPr>
+                    </a:p>
+                  </a:txBody>
+                  <a:tcPr marL="41275" marR="41275" marT="19050" marB="19050" anchor="ctr">
+                    <a:lnL w="12700" cmpd="sng">
+                      <a:noFill/>
+                    </a:lnL>
+                    <a:lnR w="12700" cmpd="sng">
+                      <a:noFill/>
+                    </a:lnR>
+                    <a:lnT w="12700" cmpd="sng">
+                      <a:noFill/>
+                    </a:lnT>
+                    <a:lnB w="12700" cmpd="sng">
+                      <a:noFill/>
+                    </a:lnB>
+                    <a:lnTlToBr w="12700" cmpd="sng">
+                      <a:noFill/>
+                      <a:prstDash val="solid"/>
+                    </a:lnTlToBr>
+                    <a:lnBlToTr w="12700" cmpd="sng">
+                      <a:noFill/>
+                      <a:prstDash val="solid"/>
+                    </a:lnBlToTr>
+                    <a:noFill/>
+                  </a:tcPr>
+                </a:tc>
+                <a:tc>
+                  <a:txBody>
+                    <a:bodyPr/>
+                    <a:lstStyle/>
+                    <a:p>
+                      <a:pPr marL="0" marR="0" algn="l">
+                        <a:lnSpc>
+                          <a:spcPct val="107000"/>
+                        </a:lnSpc>
+                        <a:spcBef>
+                          <a:spcPts val="0"/>
+                        </a:spcBef>
+                        <a:spcAft>
+                          <a:spcPts val="800"/>
+                        </a:spcAft>
+                      </a:pPr>
+                      <a:r>
+                        <a:rPr lang="en-GB" sz="1800" kern="100" dirty="0">
+                          <a:solidFill>
+                            <a:srgbClr val="36B7B4"/>
+                          </a:solidFill>
+                          <a:effectLst/>
+                          <a:latin typeface="Circular Std Book" panose="020B0604020101020102" pitchFamily="34" charset="0"/>
+                          <a:cs typeface="Circular Std Book" panose="020B0604020101020102" pitchFamily="34" charset="0"/>
+                        </a:rPr>
+                        <a:t>Wrangling and formatting data to make a chart with my own data</a:t>
+                      </a:r>
+                      <a:endParaRPr lang="en-US" sz="1800" kern="100" dirty="0">
+                        <a:solidFill>
+                          <a:srgbClr val="36B7B4"/>
+                        </a:solidFill>
+                        <a:effectLst/>
+                        <a:latin typeface="Circular Std Book" panose="020B0604020101020102" pitchFamily="34" charset="0"/>
+                        <a:ea typeface="Calibri" panose="020F0502020204030204" pitchFamily="34" charset="0"/>
+                        <a:cs typeface="Circular Std Book" panose="020B0604020101020102" pitchFamily="34" charset="0"/>
+                      </a:endParaRPr>
+                    </a:p>
+                  </a:txBody>
+                  <a:tcPr marL="0" marR="0" marT="0" marB="0" anchor="ctr">
+                    <a:lnL w="12700" cmpd="sng">
+                      <a:noFill/>
+                    </a:lnL>
+                    <a:lnR w="12700" cmpd="sng">
+                      <a:noFill/>
+                    </a:lnR>
+                    <a:lnT w="12700" cmpd="sng">
+                      <a:noFill/>
+                    </a:lnT>
+                    <a:lnB w="12700" cmpd="sng">
+                      <a:noFill/>
+                    </a:lnB>
+                    <a:lnTlToBr w="12700" cmpd="sng">
+                      <a:noFill/>
+                      <a:prstDash val="solid"/>
+                    </a:lnTlToBr>
+                    <a:lnBlToTr w="12700" cmpd="sng">
+                      <a:noFill/>
+                      <a:prstDash val="solid"/>
+                    </a:lnBlToTr>
+                    <a:noFill/>
+                  </a:tcPr>
+                </a:tc>
+                <a:extLst>
+                  <a:ext uri="{0D108BD9-81ED-4DB2-BD59-A6C34878D82A}">
+                    <a16:rowId xmlns:a16="http://schemas.microsoft.com/office/drawing/2014/main" val="3836626322"/>
+                  </a:ext>
+                </a:extLst>
+              </a:tr>
+              <a:tr h="795267">
+                <a:tc>
+                  <a:txBody>
+                    <a:bodyPr/>
+                    <a:lstStyle/>
+                    <a:p>
+                      <a:pPr marL="0" marR="0" algn="l">
+                        <a:lnSpc>
+                          <a:spcPct val="107000"/>
+                        </a:lnSpc>
+                        <a:spcBef>
+                          <a:spcPts val="0"/>
+                        </a:spcBef>
+                        <a:spcAft>
+                          <a:spcPts val="800"/>
+                        </a:spcAft>
+                      </a:pPr>
+                      <a:r>
+                        <a:rPr lang="en-GB" sz="1800" kern="100" dirty="0">
+                          <a:solidFill>
+                            <a:srgbClr val="F4C245"/>
+                          </a:solidFill>
+                          <a:effectLst/>
+                          <a:latin typeface="Circular Std Book" panose="020B0604020101020102" pitchFamily="34" charset="0"/>
+                          <a:cs typeface="Circular Std Book" panose="020B0604020101020102" pitchFamily="34" charset="0"/>
+                        </a:rPr>
+                        <a:t>Session 4</a:t>
+                      </a:r>
+                      <a:endParaRPr lang="en-US" sz="1800" kern="100" dirty="0">
+                        <a:solidFill>
+                          <a:srgbClr val="F4C245"/>
+                        </a:solidFill>
+                        <a:effectLst/>
+                        <a:latin typeface="Circular Std Book" panose="020B0604020101020102" pitchFamily="34" charset="0"/>
+                        <a:ea typeface="Calibri" panose="020F0502020204030204" pitchFamily="34" charset="0"/>
+                        <a:cs typeface="Circular Std Book" panose="020B0604020101020102" pitchFamily="34" charset="0"/>
+                      </a:endParaRPr>
+                    </a:p>
+                  </a:txBody>
+                  <a:tcPr marL="41275" marR="41275" marT="19050" marB="19050" anchor="ctr">
+                    <a:lnL w="12700" cmpd="sng">
+                      <a:noFill/>
+                    </a:lnL>
+                    <a:lnR w="12700" cmpd="sng">
+                      <a:noFill/>
+                    </a:lnR>
+                    <a:lnT w="12700" cmpd="sng">
+                      <a:noFill/>
+                    </a:lnT>
+                    <a:lnB w="12700" cmpd="sng">
+                      <a:noFill/>
+                    </a:lnB>
+                    <a:lnTlToBr w="12700" cmpd="sng">
+                      <a:noFill/>
+                      <a:prstDash val="solid"/>
+                    </a:lnTlToBr>
+                    <a:lnBlToTr w="12700" cmpd="sng">
+                      <a:noFill/>
+                      <a:prstDash val="solid"/>
+                    </a:lnBlToTr>
+                    <a:noFill/>
+                  </a:tcPr>
+                </a:tc>
+                <a:tc>
+                  <a:txBody>
+                    <a:bodyPr/>
+                    <a:lstStyle/>
+                    <a:p>
+                      <a:pPr marL="0" marR="0" algn="l">
+                        <a:lnSpc>
+                          <a:spcPct val="107000"/>
+                        </a:lnSpc>
+                        <a:spcBef>
+                          <a:spcPts val="0"/>
+                        </a:spcBef>
+                        <a:spcAft>
+                          <a:spcPts val="800"/>
+                        </a:spcAft>
+                      </a:pPr>
+                      <a:r>
+                        <a:rPr lang="en-GB" sz="1800" kern="100" dirty="0">
+                          <a:solidFill>
+                            <a:schemeClr val="bg1"/>
+                          </a:solidFill>
+                          <a:effectLst/>
+                          <a:latin typeface="Circular Std Book" panose="020B0604020101020102" pitchFamily="34" charset="0"/>
+                          <a:cs typeface="Circular Std Book" panose="020B0604020101020102" pitchFamily="34" charset="0"/>
+                        </a:rPr>
+                        <a:t>Visualisation and advanced analytics</a:t>
+                      </a:r>
+                      <a:endParaRPr lang="en-US" sz="1800" kern="100" dirty="0">
+                        <a:solidFill>
+                          <a:schemeClr val="bg1"/>
+                        </a:solidFill>
+                        <a:effectLst/>
+                        <a:latin typeface="Circular Std Book" panose="020B0604020101020102" pitchFamily="34" charset="0"/>
+                        <a:ea typeface="Calibri" panose="020F0502020204030204" pitchFamily="34" charset="0"/>
+                        <a:cs typeface="Circular Std Book" panose="020B0604020101020102" pitchFamily="34" charset="0"/>
+                      </a:endParaRPr>
+                    </a:p>
+                  </a:txBody>
+                  <a:tcPr marL="41275" marR="41275" marT="19050" marB="19050" anchor="ctr">
+                    <a:lnL w="12700" cmpd="sng">
+                      <a:noFill/>
+                    </a:lnL>
+                    <a:lnR w="12700" cmpd="sng">
+                      <a:noFill/>
+                    </a:lnR>
+                    <a:lnT w="12700" cmpd="sng">
+                      <a:noFill/>
+                    </a:lnT>
+                    <a:lnB w="12700" cmpd="sng">
+                      <a:noFill/>
+                    </a:lnB>
+                    <a:lnTlToBr w="12700" cmpd="sng">
+                      <a:noFill/>
+                      <a:prstDash val="solid"/>
+                    </a:lnTlToBr>
+                    <a:lnBlToTr w="12700" cmpd="sng">
+                      <a:noFill/>
+                      <a:prstDash val="solid"/>
+                    </a:lnBlToTr>
+                    <a:noFill/>
+                  </a:tcPr>
+                </a:tc>
+                <a:tc>
+                  <a:txBody>
+                    <a:bodyPr/>
+                    <a:lstStyle/>
+                    <a:p>
+                      <a:pPr marL="0" marR="0" algn="l">
+                        <a:lnSpc>
+                          <a:spcPct val="107000"/>
+                        </a:lnSpc>
+                        <a:spcBef>
+                          <a:spcPts val="0"/>
+                        </a:spcBef>
+                        <a:spcAft>
+                          <a:spcPts val="800"/>
+                        </a:spcAft>
+                      </a:pPr>
+                      <a:r>
+                        <a:rPr lang="en-GB" sz="1800" kern="100" dirty="0">
+                          <a:solidFill>
+                            <a:srgbClr val="36B7B4"/>
+                          </a:solidFill>
+                          <a:effectLst/>
+                          <a:latin typeface="Circular Std Book" panose="020B0604020101020102" pitchFamily="34" charset="0"/>
+                          <a:cs typeface="Circular Std Book" panose="020B0604020101020102" pitchFamily="34" charset="0"/>
+                        </a:rPr>
+                        <a:t>Exploring chart types and deciding on what is the best chart for my data</a:t>
+                      </a:r>
+                      <a:endParaRPr lang="en-US" sz="1800" kern="100" dirty="0">
+                        <a:solidFill>
+                          <a:srgbClr val="36B7B4"/>
+                        </a:solidFill>
+                        <a:effectLst/>
+                        <a:latin typeface="Circular Std Book" panose="020B0604020101020102" pitchFamily="34" charset="0"/>
+                        <a:ea typeface="Calibri" panose="020F0502020204030204" pitchFamily="34" charset="0"/>
+                        <a:cs typeface="Circular Std Book" panose="020B0604020101020102" pitchFamily="34" charset="0"/>
+                      </a:endParaRPr>
+                    </a:p>
+                  </a:txBody>
+                  <a:tcPr marL="0" marR="0" marT="0" marB="0" anchor="ctr">
+                    <a:lnL w="12700" cmpd="sng">
+                      <a:noFill/>
+                    </a:lnL>
+                    <a:lnR w="12700" cmpd="sng">
+                      <a:noFill/>
+                    </a:lnR>
+                    <a:lnT w="12700" cmpd="sng">
+                      <a:noFill/>
+                    </a:lnT>
+                    <a:lnB w="12700" cmpd="sng">
+                      <a:noFill/>
+                    </a:lnB>
+                    <a:lnTlToBr w="12700" cmpd="sng">
+                      <a:noFill/>
+                      <a:prstDash val="solid"/>
+                    </a:lnTlToBr>
+                    <a:lnBlToTr w="12700" cmpd="sng">
+                      <a:noFill/>
+                      <a:prstDash val="solid"/>
+                    </a:lnBlToTr>
+                    <a:noFill/>
+                  </a:tcPr>
+                </a:tc>
+                <a:extLst>
+                  <a:ext uri="{0D108BD9-81ED-4DB2-BD59-A6C34878D82A}">
+                    <a16:rowId xmlns:a16="http://schemas.microsoft.com/office/drawing/2014/main" val="3050545749"/>
+                  </a:ext>
+                </a:extLst>
+              </a:tr>
+            </a:tbl>
+          </a:graphicData>
+        </a:graphic>
+      </p:graphicFrame>
+    </p:spTree>
+    <p:extLst>
+      <p:ext uri="{BB962C8B-B14F-4D97-AF65-F5344CB8AC3E}">
+        <p14:creationId xmlns:p14="http://schemas.microsoft.com/office/powerpoint/2010/main" val="3917720279"/>
       </p:ext>
     </p:extLst>
   </p:cSld>
@@ -11816,7 +12927,7 @@
                 <a:latin typeface="Circular Std Book" panose="020B0604020101020102" pitchFamily="34" charset="0"/>
                 <a:cs typeface="Circular Std Book" panose="020B0604020101020102" pitchFamily="34" charset="0"/>
               </a:rPr>
-              <a:t>Resources</a:t>
+              <a:t>BYOD</a:t>
             </a:r>
             <a:r>
               <a:rPr lang="en-GB" dirty="0">
@@ -11882,8 +12993,8 @@
         </p:nvSpPr>
         <p:spPr>
           <a:xfrm>
-            <a:off x="662473" y="1587038"/>
-            <a:ext cx="8052319" cy="4278094"/>
+            <a:off x="662474" y="1587038"/>
+            <a:ext cx="7655954" cy="4278094"/>
           </a:xfrm>
           <a:prstGeom prst="rect">
             <a:avLst/>
@@ -11898,9 +13009,138 @@
           <a:p>
             <a:pPr algn="l"/>
             <a:r>
-              <a:rPr lang="en-US" sz="1600" i="0" strike="noStrike" dirty="0">
+              <a:rPr lang="en-US" sz="1600" i="0" dirty="0">
+                <a:solidFill>
+                  <a:schemeClr val="bg1"/>
+                </a:solidFill>
+                <a:effectLst/>
+                <a:latin typeface="Abadi Extra Light" panose="020B0204020104020204" pitchFamily="34" charset="0"/>
+              </a:rPr>
+              <a:t>We encourage you to </a:t>
+            </a:r>
+            <a:r>
+              <a:rPr lang="en-US" sz="1600" b="1" i="0" dirty="0">
                 <a:solidFill>
                   <a:srgbClr val="F4C245"/>
+                </a:solidFill>
+                <a:effectLst/>
+                <a:latin typeface="Abadi Extra Light" panose="020B0204020104020204" pitchFamily="34" charset="0"/>
+              </a:rPr>
+              <a:t>Bring Your Own Data </a:t>
+            </a:r>
+            <a:r>
+              <a:rPr lang="en-US" sz="1600" i="0" dirty="0">
+                <a:solidFill>
+                  <a:schemeClr val="bg1"/>
+                </a:solidFill>
+                <a:effectLst/>
+                <a:latin typeface="Abadi Extra Light" panose="020B0204020104020204" pitchFamily="34" charset="0"/>
+              </a:rPr>
+              <a:t>to the masterclass.</a:t>
+            </a:r>
+          </a:p>
+          <a:p>
+            <a:pPr algn="l"/>
+            <a:endParaRPr lang="en-US" sz="1600" i="0" dirty="0">
+              <a:solidFill>
+                <a:schemeClr val="bg1"/>
+              </a:solidFill>
+              <a:effectLst/>
+              <a:latin typeface="Abadi Extra Light" panose="020B0204020104020204" pitchFamily="34" charset="0"/>
+            </a:endParaRPr>
+          </a:p>
+          <a:p>
+            <a:pPr algn="l"/>
+            <a:r>
+              <a:rPr lang="en-US" sz="1600" i="0" dirty="0">
+                <a:solidFill>
+                  <a:schemeClr val="bg1"/>
+                </a:solidFill>
+                <a:effectLst/>
+                <a:latin typeface="Abadi Extra Light" panose="020B0204020104020204" pitchFamily="34" charset="0"/>
+              </a:rPr>
+              <a:t>It can be data about everything, the financial report from the </a:t>
+            </a:r>
+            <a:r>
+              <a:rPr lang="en-US" sz="1600" i="0" dirty="0" err="1">
+                <a:solidFill>
+                  <a:schemeClr val="bg1"/>
+                </a:solidFill>
+                <a:effectLst/>
+                <a:latin typeface="Abadi Extra Light" panose="020B0204020104020204" pitchFamily="34" charset="0"/>
+              </a:rPr>
+              <a:t>the</a:t>
+            </a:r>
+            <a:r>
+              <a:rPr lang="en-US" sz="1600" i="0" dirty="0">
+                <a:solidFill>
+                  <a:schemeClr val="bg1"/>
+                </a:solidFill>
+                <a:effectLst/>
+                <a:latin typeface="Abadi Extra Light" panose="020B0204020104020204" pitchFamily="34" charset="0"/>
+              </a:rPr>
+              <a:t> last quarter or your sales logbook from your small coffee shop. It can be in any format CSV, Excel, Stata, </a:t>
+            </a:r>
+            <a:r>
+              <a:rPr lang="en-US" sz="1600" i="0" dirty="0" err="1">
+                <a:solidFill>
+                  <a:schemeClr val="bg1"/>
+                </a:solidFill>
+                <a:effectLst/>
+                <a:latin typeface="Abadi Extra Light" panose="020B0204020104020204" pitchFamily="34" charset="0"/>
+              </a:rPr>
+              <a:t>Matlab</a:t>
+            </a:r>
+            <a:r>
+              <a:rPr lang="en-US" sz="1600" i="0" dirty="0">
+                <a:solidFill>
+                  <a:schemeClr val="bg1"/>
+                </a:solidFill>
+                <a:effectLst/>
+                <a:latin typeface="Abadi Extra Light" panose="020B0204020104020204" pitchFamily="34" charset="0"/>
+              </a:rPr>
+              <a:t>, JSON, etc. - or even just a table from a website, up to a cumbersome API call, we'll work with it.</a:t>
+            </a:r>
+          </a:p>
+          <a:p>
+            <a:pPr algn="l"/>
+            <a:endParaRPr lang="en-US" sz="1600" i="0" dirty="0">
+              <a:solidFill>
+                <a:schemeClr val="bg1"/>
+              </a:solidFill>
+              <a:effectLst/>
+              <a:latin typeface="Abadi Extra Light" panose="020B0204020104020204" pitchFamily="34" charset="0"/>
+            </a:endParaRPr>
+          </a:p>
+          <a:p>
+            <a:pPr algn="l"/>
+            <a:r>
+              <a:rPr lang="en-US" sz="1600" i="0" dirty="0">
+                <a:solidFill>
+                  <a:schemeClr val="bg1"/>
+                </a:solidFill>
+                <a:effectLst/>
+                <a:latin typeface="Abadi Extra Light" panose="020B0204020104020204" pitchFamily="34" charset="0"/>
+              </a:rPr>
+              <a:t>If you want to look beyond, these data repositories are widely used by the community</a:t>
+            </a:r>
+          </a:p>
+          <a:p>
+            <a:pPr algn="l"/>
+            <a:endParaRPr lang="en-US" sz="1600" i="0" dirty="0">
+              <a:solidFill>
+                <a:schemeClr val="bg1"/>
+              </a:solidFill>
+              <a:effectLst/>
+              <a:latin typeface="Abadi Extra Light" panose="020B0204020104020204" pitchFamily="34" charset="0"/>
+            </a:endParaRPr>
+          </a:p>
+          <a:p>
+            <a:pPr algn="l"/>
+            <a:r>
+              <a:rPr lang="en-US" sz="1600" i="0" dirty="0">
+                <a:solidFill>
+                  <a:srgbClr val="36B7B4"/>
                 </a:solidFill>
                 <a:effectLst/>
                 <a:latin typeface="Abadi Extra Light" panose="020B0204020104020204" pitchFamily="34" charset="0"/>
@@ -11912,80 +13152,25 @@
                   </a:extLst>
                 </a:hlinkClick>
               </a:rPr>
-              <a:t>Heroes and heroines</a:t>
-            </a:r>
-            <a:br>
-              <a:rPr lang="en-US" sz="1600" b="0" i="0" dirty="0">
+              <a:t>https://huggingface.co/datasets</a:t>
+            </a:r>
+            <a:r>
+              <a:rPr lang="en-US" sz="1600" i="0" dirty="0">
                 <a:solidFill>
-                  <a:schemeClr val="bg1"/>
+                  <a:srgbClr val="36B7B4"/>
                 </a:solidFill>
                 <a:effectLst/>
                 <a:latin typeface="Abadi Extra Light" panose="020B0204020104020204" pitchFamily="34" charset="0"/>
               </a:rPr>
-            </a:br>
-            <a:r>
-              <a:rPr lang="en-US" sz="1600" b="0" i="0" dirty="0">
+              <a:t> </a:t>
+            </a:r>
+          </a:p>
+          <a:p>
+            <a:pPr algn="l"/>
+            <a:r>
+              <a:rPr lang="en-US" sz="1600" i="0" dirty="0">
                 <a:solidFill>
-                  <a:schemeClr val="bg1"/>
-                </a:solidFill>
-                <a:effectLst/>
-                <a:latin typeface="Abadi Extra Light" panose="020B0204020104020204" pitchFamily="34" charset="0"/>
-              </a:rPr>
-              <a:t>Biographies of some key figures in data, past and present.</a:t>
-            </a:r>
-          </a:p>
-          <a:p>
-            <a:pPr algn="l"/>
-            <a:endParaRPr lang="en-US" sz="1600" b="0" i="0" dirty="0">
-              <a:solidFill>
-                <a:schemeClr val="bg1"/>
-              </a:solidFill>
-              <a:effectLst/>
-              <a:latin typeface="Abadi Extra Light" panose="020B0204020104020204" pitchFamily="34" charset="0"/>
-            </a:endParaRPr>
-          </a:p>
-          <a:p>
-            <a:pPr algn="l"/>
-            <a:r>
-              <a:rPr lang="en-US" sz="1600" b="0" i="0" u="none" strike="noStrike" dirty="0">
-                <a:solidFill>
-                  <a:srgbClr val="F4C245"/>
-                </a:solidFill>
-                <a:effectLst/>
-                <a:latin typeface="Abadi Extra Light" panose="020B0204020104020204" pitchFamily="34" charset="0"/>
-                <a:hlinkClick r:id="rId3">
-                  <a:extLst>
-                    <a:ext uri="{A12FA001-AC4F-418D-AE19-62706E023703}">
-                      <ahyp:hlinkClr xmlns:ahyp="http://schemas.microsoft.com/office/drawing/2018/hyperlinkcolor" val="tx"/>
-                    </a:ext>
-                  </a:extLst>
-                </a:hlinkClick>
-              </a:rPr>
-              <a:t>Nightingale Magazine</a:t>
-            </a:r>
-            <a:br>
-              <a:rPr lang="en-US" sz="1600" b="0" i="0" dirty="0">
-                <a:solidFill>
-                  <a:schemeClr val="bg1"/>
-                </a:solidFill>
-                <a:effectLst/>
-                <a:latin typeface="Abadi Extra Light" panose="020B0204020104020204" pitchFamily="34" charset="0"/>
-              </a:rPr>
-            </a:br>
-            <a:r>
-              <a:rPr lang="en-US" sz="1600" b="0" i="0" dirty="0">
-                <a:solidFill>
-                  <a:schemeClr val="bg1"/>
-                </a:solidFill>
-                <a:effectLst/>
-                <a:latin typeface="Abadi Extra Light" panose="020B0204020104020204" pitchFamily="34" charset="0"/>
-              </a:rPr>
-              <a:t>The publication of the </a:t>
-            </a:r>
-            <a:r>
-              <a:rPr lang="en-US" sz="1600" b="0" i="0" u="none" strike="noStrike" dirty="0">
-                <a:solidFill>
-                  <a:schemeClr val="bg1"/>
+                  <a:srgbClr val="36B7B4"/>
                 </a:solidFill>
                 <a:effectLst/>
                 <a:latin typeface="Abadi Extra Light" panose="020B0204020104020204" pitchFamily="34" charset="0"/>
@@ -11997,35 +13182,25 @@
                   </a:extLst>
                 </a:hlinkClick>
               </a:rPr>
-              <a:t>Data Visualization Society</a:t>
-            </a:r>
-            <a:r>
-              <a:rPr lang="en-US" sz="1600" b="0" i="0" u="none" strike="noStrike" dirty="0">
+              <a:t>https://visualdata.io/discovery</a:t>
+            </a:r>
+            <a:r>
+              <a:rPr lang="en-US" sz="1600" i="0" dirty="0">
                 <a:solidFill>
-                  <a:schemeClr val="bg1"/>
+                  <a:srgbClr val="36B7B4"/>
                 </a:solidFill>
                 <a:effectLst/>
                 <a:latin typeface="Abadi Extra Light" panose="020B0204020104020204" pitchFamily="34" charset="0"/>
               </a:rPr>
-              <a:t>.</a:t>
-            </a:r>
-            <a:endParaRPr lang="en-US" sz="1600" b="0" i="0" dirty="0">
-              <a:solidFill>
-                <a:schemeClr val="bg1"/>
-              </a:solidFill>
-              <a:effectLst/>
-              <a:latin typeface="Abadi Extra Light" panose="020B0204020104020204" pitchFamily="34" charset="0"/>
-            </a:endParaRPr>
-          </a:p>
-          <a:p>
-            <a:pPr marL="742950" lvl="1" indent="-285750" algn="l">
-              <a:buFont typeface="Arial" panose="020B0604020202020204" pitchFamily="34" charset="0"/>
-              <a:buChar char="•"/>
-            </a:pPr>
-            <a:r>
-              <a:rPr lang="en-US" sz="1600" b="0" i="0" u="none" strike="noStrike" dirty="0">
+              <a:t> </a:t>
+            </a:r>
+          </a:p>
+          <a:p>
+            <a:pPr algn="l"/>
+            <a:r>
+              <a:rPr lang="en-US" sz="1600" i="0" dirty="0">
                 <a:solidFill>
-                  <a:schemeClr val="bg1"/>
+                  <a:srgbClr val="36B7B4"/>
                 </a:solidFill>
                 <a:effectLst/>
                 <a:latin typeface="Abadi Extra Light" panose="020B0204020104020204" pitchFamily="34" charset="0"/>
@@ -12037,111 +13212,19 @@
                   </a:extLst>
                 </a:hlinkClick>
               </a:rPr>
-              <a:t>Finding the perfect blend of text and data</a:t>
-            </a:r>
-            <a:br>
-              <a:rPr lang="en-US" sz="1600" b="0" i="0" dirty="0">
-                <a:solidFill>
-                  <a:schemeClr val="bg1"/>
-                </a:solidFill>
-                <a:effectLst/>
-                <a:latin typeface="Abadi Extra Light" panose="020B0204020104020204" pitchFamily="34" charset="0"/>
-              </a:rPr>
-            </a:br>
-            <a:r>
-              <a:rPr lang="en-US" sz="1600" b="0" i="0" dirty="0">
-                <a:solidFill>
-                  <a:schemeClr val="bg1"/>
-                </a:solidFill>
-                <a:effectLst/>
-                <a:latin typeface="Abadi Extra Light" panose="020B0204020104020204" pitchFamily="34" charset="0"/>
-              </a:rPr>
-              <a:t>A talk by Dénes Csala at the Data Visualization Society’s Outlier 2023 Conference.</a:t>
-            </a:r>
-          </a:p>
-          <a:p>
-            <a:pPr algn="l"/>
-            <a:endParaRPr lang="en-US" sz="1600" b="0" i="0" u="none" strike="noStrike" dirty="0">
+              <a:t>https://paperswithcode.com/datasets</a:t>
+            </a:r>
+            <a:endParaRPr lang="en-US" sz="1600" i="0" dirty="0">
               <a:solidFill>
-                <a:srgbClr val="F4C245"/>
+                <a:srgbClr val="36B7B4"/>
               </a:solidFill>
               <a:effectLst/>
               <a:latin typeface="Abadi Extra Light" panose="020B0204020104020204" pitchFamily="34" charset="0"/>
-              <a:hlinkClick r:id="rId3">
-                <a:extLst>
-                  <a:ext uri="{A12FA001-AC4F-418D-AE19-62706E023703}">
-                    <ahyp:hlinkClr xmlns:ahyp="http://schemas.microsoft.com/office/drawing/2018/hyperlinkcolor" val="tx"/>
-                  </a:ext>
-                </a:extLst>
-              </a:hlinkClick>
             </a:endParaRPr>
           </a:p>
           <a:p>
             <a:pPr algn="l"/>
-            <a:r>
-              <a:rPr lang="en-US" sz="1600" b="0" i="0" u="none" strike="noStrike" dirty="0">
-                <a:solidFill>
-                  <a:srgbClr val="F4C245"/>
-                </a:solidFill>
-                <a:effectLst/>
-                <a:latin typeface="Abadi Extra Light" panose="020B0204020104020204" pitchFamily="34" charset="0"/>
-                <a:hlinkClick r:id="rId3">
-                  <a:extLst>
-                    <a:ext uri="{A12FA001-AC4F-418D-AE19-62706E023703}">
-                      <ahyp:hlinkClr xmlns:ahyp="http://schemas.microsoft.com/office/drawing/2018/hyperlinkcolor" val="tx"/>
-                    </a:ext>
-                  </a:extLst>
-                </a:hlinkClick>
-              </a:rPr>
-              <a:t>MDN Starters guide</a:t>
-            </a:r>
-            <a:br>
-              <a:rPr lang="en-US" sz="1600" b="0" i="0" dirty="0">
-                <a:solidFill>
-                  <a:schemeClr val="bg1"/>
-                </a:solidFill>
-                <a:effectLst/>
-                <a:latin typeface="Abadi Extra Light" panose="020B0204020104020204" pitchFamily="34" charset="0"/>
-              </a:rPr>
-            </a:br>
-            <a:r>
-              <a:rPr lang="en-US" sz="1600" b="0" i="0" dirty="0">
-                <a:solidFill>
-                  <a:schemeClr val="bg1"/>
-                </a:solidFill>
-                <a:effectLst/>
-                <a:latin typeface="Abadi Extra Light" panose="020B0204020104020204" pitchFamily="34" charset="0"/>
-              </a:rPr>
-              <a:t>A superb intro to HTML, CSS and JavaScript from </a:t>
-            </a:r>
-            <a:r>
-              <a:rPr lang="en-US" sz="1600" b="0" i="0" u="none" strike="noStrike" dirty="0">
-                <a:solidFill>
-                  <a:schemeClr val="bg1"/>
-                </a:solidFill>
-                <a:effectLst/>
-                <a:latin typeface="Abadi Extra Light" panose="020B0204020104020204" pitchFamily="34" charset="0"/>
-                <a:hlinkClick r:id="rId6">
-                  <a:extLst>
-                    <a:ext uri="{A12FA001-AC4F-418D-AE19-62706E023703}">
-                      <ahyp:hlinkClr xmlns:ahyp="http://schemas.microsoft.com/office/drawing/2018/hyperlinkcolor" val="tx"/>
-                    </a:ext>
-                  </a:extLst>
-                </a:hlinkClick>
-              </a:rPr>
-              <a:t>Mozilla</a:t>
-            </a:r>
-            <a:r>
-              <a:rPr lang="en-US" sz="1600" b="0" i="0" u="none" strike="noStrike" dirty="0">
-                <a:solidFill>
-                  <a:schemeClr val="bg1"/>
-                </a:solidFill>
-                <a:effectLst/>
-                <a:latin typeface="Abadi Extra Light" panose="020B0204020104020204" pitchFamily="34" charset="0"/>
-              </a:rPr>
-              <a:t>.</a:t>
-            </a:r>
-            <a:endParaRPr lang="en-US" sz="1600" b="0" i="0" dirty="0">
+            <a:endParaRPr lang="en-US" sz="1600" i="0" dirty="0">
               <a:solidFill>
                 <a:schemeClr val="bg1"/>
               </a:solidFill>
@@ -12151,87 +13234,7 @@
           </a:p>
           <a:p>
             <a:pPr algn="l"/>
-            <a:endParaRPr lang="en-US" sz="1600" b="0" i="0" u="none" strike="noStrike" dirty="0">
-              <a:solidFill>
-                <a:srgbClr val="F4C245"/>
-              </a:solidFill>
-              <a:effectLst/>
-              <a:latin typeface="Abadi Extra Light" panose="020B0204020104020204" pitchFamily="34" charset="0"/>
-              <a:hlinkClick r:id="rId7">
-                <a:extLst>
-                  <a:ext uri="{A12FA001-AC4F-418D-AE19-62706E023703}">
-                    <ahyp:hlinkClr xmlns:ahyp="http://schemas.microsoft.com/office/drawing/2018/hyperlinkcolor" val="tx"/>
-                  </a:ext>
-                </a:extLst>
-              </a:hlinkClick>
-            </a:endParaRPr>
-          </a:p>
-          <a:p>
-            <a:pPr algn="l"/>
-            <a:r>
-              <a:rPr lang="en-US" sz="1600" b="0" i="0" u="none" strike="noStrike" dirty="0">
-                <a:solidFill>
-                  <a:srgbClr val="F4C245"/>
-                </a:solidFill>
-                <a:effectLst/>
-                <a:latin typeface="Abadi Extra Light" panose="020B0204020104020204" pitchFamily="34" charset="0"/>
-                <a:hlinkClick r:id="rId7">
-                  <a:extLst>
-                    <a:ext uri="{A12FA001-AC4F-418D-AE19-62706E023703}">
-                      <ahyp:hlinkClr xmlns:ahyp="http://schemas.microsoft.com/office/drawing/2018/hyperlinkcolor" val="tx"/>
-                    </a:ext>
-                  </a:extLst>
-                </a:hlinkClick>
-              </a:rPr>
-              <a:t>W3Schools</a:t>
-            </a:r>
-            <a:br>
-              <a:rPr lang="en-US" sz="1600" b="0" i="0" dirty="0">
-                <a:solidFill>
-                  <a:schemeClr val="bg1"/>
-                </a:solidFill>
-                <a:effectLst/>
-                <a:latin typeface="Abadi Extra Light" panose="020B0204020104020204" pitchFamily="34" charset="0"/>
-              </a:rPr>
-            </a:br>
-            <a:r>
-              <a:rPr lang="en-US" sz="1600" b="0" i="0" dirty="0">
-                <a:solidFill>
-                  <a:schemeClr val="bg1"/>
-                </a:solidFill>
-                <a:effectLst/>
-                <a:latin typeface="Abadi Extra Light" panose="020B0204020104020204" pitchFamily="34" charset="0"/>
-              </a:rPr>
-              <a:t>An equally superb intro to HTML, CSS and JavaScript from the </a:t>
-            </a:r>
-            <a:r>
-              <a:rPr lang="en-US" sz="1600" b="0" i="0" u="none" strike="noStrike" dirty="0">
-                <a:solidFill>
-                  <a:schemeClr val="bg1"/>
-                </a:solidFill>
-                <a:effectLst/>
-                <a:latin typeface="Abadi Extra Light" panose="020B0204020104020204" pitchFamily="34" charset="0"/>
-                <a:hlinkClick r:id="rId8">
-                  <a:extLst>
-                    <a:ext uri="{A12FA001-AC4F-418D-AE19-62706E023703}">
-                      <ahyp:hlinkClr xmlns:ahyp="http://schemas.microsoft.com/office/drawing/2018/hyperlinkcolor" val="tx"/>
-                    </a:ext>
-                  </a:extLst>
-                </a:hlinkClick>
-              </a:rPr>
-              <a:t>World Wide Web Consortium</a:t>
-            </a:r>
-            <a:r>
-              <a:rPr lang="en-US" sz="1600" b="0" i="0" u="none" strike="noStrike" dirty="0">
-                <a:solidFill>
-                  <a:schemeClr val="bg1"/>
-                </a:solidFill>
-                <a:effectLst/>
-                <a:latin typeface="Abadi Extra Light" panose="020B0204020104020204" pitchFamily="34" charset="0"/>
-              </a:rPr>
-              <a:t>.</a:t>
-            </a:r>
-            <a:endParaRPr lang="en-US" sz="1600" b="0" i="0" dirty="0">
+            <a:endParaRPr lang="en-US" sz="1600" i="0" dirty="0">
               <a:solidFill>
                 <a:schemeClr val="bg1"/>
               </a:solidFill>
@@ -12241,86 +13244,6 @@
           </a:p>
           <a:p>
             <a:pPr algn="l"/>
-            <a:endParaRPr lang="en-US" sz="1600" b="1" i="0" dirty="0">
-              <a:solidFill>
-                <a:schemeClr val="bg1"/>
-              </a:solidFill>
-              <a:effectLst/>
-              <a:latin typeface="Abadi Extra Light" panose="020B0204020104020204" pitchFamily="34" charset="0"/>
-            </a:endParaRPr>
-          </a:p>
-          <a:p>
-            <a:pPr algn="l"/>
-            <a:r>
-              <a:rPr lang="en-US" sz="1600" b="1" i="0" dirty="0">
-                <a:solidFill>
-                  <a:schemeClr val="bg1"/>
-                </a:solidFill>
-                <a:effectLst/>
-                <a:latin typeface="Abadi Extra Light" panose="020B0204020104020204" pitchFamily="34" charset="0"/>
-              </a:rPr>
-              <a:t>🔴 </a:t>
-            </a:r>
-            <a:r>
-              <a:rPr lang="en-US" sz="1600" b="1" i="0" dirty="0">
-                <a:solidFill>
-                  <a:srgbClr val="36B7B4"/>
-                </a:solidFill>
-                <a:effectLst/>
-                <a:latin typeface="Abadi Extra Light" panose="020B0204020104020204" pitchFamily="34" charset="0"/>
-              </a:rPr>
-              <a:t>ECO </a:t>
-            </a:r>
-            <a:r>
-              <a:rPr lang="en-US" sz="1600" b="1" i="0" dirty="0" err="1">
-                <a:solidFill>
-                  <a:srgbClr val="36B7B4"/>
-                </a:solidFill>
-                <a:effectLst/>
-                <a:latin typeface="Abadi Extra Light" panose="020B0204020104020204" pitchFamily="34" charset="0"/>
-              </a:rPr>
-              <a:t>Visualisation</a:t>
-            </a:r>
-            <a:r>
-              <a:rPr lang="en-US" sz="1600" b="1" i="0" dirty="0">
-                <a:solidFill>
-                  <a:srgbClr val="36B7B4"/>
-                </a:solidFill>
-                <a:effectLst/>
-                <a:latin typeface="Abadi Extra Light" panose="020B0204020104020204" pitchFamily="34" charset="0"/>
-              </a:rPr>
-              <a:t> Guidelines</a:t>
-            </a:r>
-          </a:p>
-          <a:p>
-            <a:pPr algn="l"/>
-            <a:r>
-              <a:rPr lang="en-US" sz="1600" b="0" i="0" dirty="0">
-                <a:solidFill>
-                  <a:schemeClr val="bg1"/>
-                </a:solidFill>
-                <a:effectLst/>
-                <a:latin typeface="Abadi Extra Light" panose="020B0204020104020204" pitchFamily="34" charset="0"/>
-              </a:rPr>
-              <a:t>Head over to our </a:t>
-            </a:r>
-            <a:r>
-              <a:rPr lang="en-US" sz="1600" i="0" u="none" strike="noStrike" dirty="0" err="1">
-                <a:solidFill>
-                  <a:srgbClr val="36B7B4"/>
-                </a:solidFill>
-                <a:effectLst/>
-                <a:latin typeface="Abadi Extra Light" panose="020B0204020104020204" pitchFamily="34" charset="0"/>
-                <a:hlinkClick r:id="rId9">
-                  <a:extLst>
-                    <a:ext uri="{A12FA001-AC4F-418D-AE19-62706E023703}">
-                      <ahyp:hlinkClr xmlns:ahyp="http://schemas.microsoft.com/office/drawing/2018/hyperlinkcolor" val="tx"/>
-                    </a:ext>
-                  </a:extLst>
-                </a:hlinkClick>
-              </a:rPr>
-              <a:t>ECOvisualisations</a:t>
-            </a:r>
             <a:r>
               <a:rPr lang="en-US" sz="1600" i="0" dirty="0">
                 <a:solidFill>
@@ -12329,135 +13252,8 @@
                 <a:effectLst/>
                 <a:latin typeface="Abadi Extra Light" panose="020B0204020104020204" pitchFamily="34" charset="0"/>
               </a:rPr>
-              <a:t> </a:t>
-            </a:r>
-            <a:r>
-              <a:rPr lang="en-US" sz="1600" b="0" i="0" dirty="0">
-                <a:solidFill>
-                  <a:schemeClr val="bg1"/>
-                </a:solidFill>
-                <a:effectLst/>
-                <a:latin typeface="Abadi Extra Light" panose="020B0204020104020204" pitchFamily="34" charset="0"/>
-              </a:rPr>
-              <a:t>repository for all </a:t>
-            </a:r>
-            <a:r>
-              <a:rPr lang="en-US" sz="1600" b="0" i="0" u="none" strike="noStrike" dirty="0">
-                <a:solidFill>
-                  <a:srgbClr val="36B7B4"/>
-                </a:solidFill>
-                <a:effectLst/>
-                <a:latin typeface="Abadi Extra Light" panose="020B0204020104020204" pitchFamily="34" charset="0"/>
-                <a:hlinkClick r:id="rId10">
-                  <a:extLst>
-                    <a:ext uri="{A12FA001-AC4F-418D-AE19-62706E023703}">
-                      <ahyp:hlinkClr xmlns:ahyp="http://schemas.microsoft.com/office/drawing/2018/hyperlinkcolor" val="tx"/>
-                    </a:ext>
-                  </a:extLst>
-                </a:hlinkClick>
-              </a:rPr>
-              <a:t>Economics Observatory</a:t>
-            </a:r>
-            <a:r>
-              <a:rPr lang="en-US" sz="1600" b="0" i="0" dirty="0">
-                <a:solidFill>
-                  <a:srgbClr val="36B7B4"/>
-                </a:solidFill>
-                <a:effectLst/>
-                <a:latin typeface="Abadi Extra Light" panose="020B0204020104020204" pitchFamily="34" charset="0"/>
-              </a:rPr>
-              <a:t> </a:t>
-            </a:r>
-            <a:r>
-              <a:rPr lang="en-US" sz="1600" b="0" i="0" dirty="0">
-                <a:solidFill>
-                  <a:schemeClr val="bg1"/>
-                </a:solidFill>
-                <a:effectLst/>
-                <a:latin typeface="Abadi Extra Light" panose="020B0204020104020204" pitchFamily="34" charset="0"/>
-              </a:rPr>
-              <a:t>charts sorted by article</a:t>
-            </a:r>
-            <a:r>
-              <a:rPr lang="en-US" sz="1600" dirty="0">
-                <a:solidFill>
-                  <a:schemeClr val="bg1"/>
-                </a:solidFill>
-                <a:latin typeface="Abadi Extra Light" panose="020B0204020104020204" pitchFamily="34" charset="0"/>
-              </a:rPr>
-              <a:t> </a:t>
-            </a:r>
-            <a:r>
-              <a:rPr lang="en-US" sz="1600" b="0" i="0" dirty="0">
-                <a:solidFill>
-                  <a:schemeClr val="bg1"/>
-                </a:solidFill>
-                <a:effectLst/>
-                <a:latin typeface="Abadi Extra Light" panose="020B0204020104020204" pitchFamily="34" charset="0"/>
-              </a:rPr>
-              <a:t>our very own </a:t>
-            </a:r>
-            <a:r>
-              <a:rPr lang="en-US" sz="1600" i="0" strike="noStrike" dirty="0">
-                <a:solidFill>
-                  <a:srgbClr val="36B7B4"/>
-                </a:solidFill>
-                <a:effectLst/>
-                <a:latin typeface="Abadi Extra Light" panose="020B0204020104020204" pitchFamily="34" charset="0"/>
-              </a:rPr>
-              <a:t>📐</a:t>
-            </a:r>
-            <a:r>
-              <a:rPr lang="en-US" sz="1600" i="0" u="none" strike="noStrike" dirty="0" err="1">
-                <a:solidFill>
-                  <a:srgbClr val="36B7B4"/>
-                </a:solidFill>
-                <a:effectLst/>
-                <a:latin typeface="Abadi Extra Light" panose="020B0204020104020204" pitchFamily="34" charset="0"/>
-                <a:hlinkClick r:id="rId11">
-                  <a:extLst>
-                    <a:ext uri="{A12FA001-AC4F-418D-AE19-62706E023703}">
-                      <ahyp:hlinkClr xmlns:ahyp="http://schemas.microsoft.com/office/drawing/2018/hyperlinkcolor" val="tx"/>
-                    </a:ext>
-                  </a:extLst>
-                </a:hlinkClick>
-              </a:rPr>
-              <a:t>visualisation</a:t>
-            </a:r>
-            <a:r>
-              <a:rPr lang="en-US" sz="1600" i="0" u="none" strike="noStrike" dirty="0">
-                <a:solidFill>
-                  <a:srgbClr val="36B7B4"/>
-                </a:solidFill>
-                <a:effectLst/>
-                <a:latin typeface="Abadi Extra Light" panose="020B0204020104020204" pitchFamily="34" charset="0"/>
-                <a:hlinkClick r:id="rId11">
-                  <a:extLst>
-                    <a:ext uri="{A12FA001-AC4F-418D-AE19-62706E023703}">
-                      <ahyp:hlinkClr xmlns:ahyp="http://schemas.microsoft.com/office/drawing/2018/hyperlinkcolor" val="tx"/>
-                    </a:ext>
-                  </a:extLst>
-                </a:hlinkClick>
-              </a:rPr>
-              <a:t> guidelines</a:t>
-            </a:r>
-            <a:r>
-              <a:rPr lang="en-US" sz="1600" b="0" i="0" dirty="0">
-                <a:solidFill>
-                  <a:schemeClr val="bg1"/>
-                </a:solidFill>
-                <a:effectLst/>
-                <a:latin typeface="Abadi Extra Light" panose="020B0204020104020204" pitchFamily="34" charset="0"/>
-              </a:rPr>
-              <a:t>.</a:t>
-            </a:r>
-            <a:endParaRPr lang="en-US" sz="1600" i="0" dirty="0">
-              <a:solidFill>
-                <a:schemeClr val="bg1"/>
-              </a:solidFill>
-              <a:effectLst/>
-              <a:latin typeface="Abadi Extra Light" panose="020B0204020104020204" pitchFamily="34" charset="0"/>
-            </a:endParaRPr>
+              <a:t>If you BYOD, the targeted complexity should be around 1000 data points in at least 3 dimensions. Say you have a small shop and you have sales data about 3 products – this counts as 3 dimensions: the sales value (time series), the time (record date) and the product (name). Even better if you have this for different cities – a 4th dimension./main/data</a:t>
+            </a:r>
           </a:p>
         </p:txBody>
       </p:sp>
@@ -13223,6 +14019,726 @@
     <p:extLst>
       <p:ext uri="{BB962C8B-B14F-4D97-AF65-F5344CB8AC3E}">
         <p14:creationId xmlns:p14="http://schemas.microsoft.com/office/powerpoint/2010/main" val="4266219142"/>
+      </p:ext>
+    </p:extLst>
+  </p:cSld>
+  <p:clrMapOvr>
+    <a:masterClrMapping/>
+  </p:clrMapOvr>
+</p:sld>
+</file>
+
+<file path=ppt/slides/slide5.xml><?xml version="1.0" encoding="utf-8"?>
+<p:sld xmlns:a="http://schemas.openxmlformats.org/drawingml/2006/main" xmlns:r="http://schemas.openxmlformats.org/officeDocument/2006/relationships" xmlns:p="http://schemas.openxmlformats.org/presentationml/2006/main">
+  <p:cSld>
+    <p:bg>
+      <p:bgPr>
+        <a:solidFill>
+          <a:srgbClr val="122B39"/>
+        </a:solidFill>
+        <a:effectLst/>
+      </p:bgPr>
+    </p:bg>
+    <p:spTree>
+      <p:nvGrpSpPr>
+        <p:cNvPr id="1" name=""/>
+        <p:cNvGrpSpPr/>
+        <p:nvPr/>
+      </p:nvGrpSpPr>
+      <p:grpSpPr>
+        <a:xfrm>
+          <a:off x="0" y="0"/>
+          <a:ext cx="0" cy="0"/>
+          <a:chOff x="0" y="0"/>
+          <a:chExt cx="0" cy="0"/>
+        </a:xfrm>
+      </p:grpSpPr>
+      <p:sp>
+        <p:nvSpPr>
+          <p:cNvPr id="2" name="Title 1">
+            <a:extLst>
+              <a:ext uri="{FF2B5EF4-FFF2-40B4-BE49-F238E27FC236}">
+                <a16:creationId xmlns:a16="http://schemas.microsoft.com/office/drawing/2014/main" id="{FC4383FA-EEB7-47D9-935D-7234D206AD1E}"/>
+              </a:ext>
+            </a:extLst>
+          </p:cNvPr>
+          <p:cNvSpPr>
+            <a:spLocks noGrp="1"/>
+          </p:cNvSpPr>
+          <p:nvPr>
+            <p:ph type="ctrTitle"/>
+          </p:nvPr>
+        </p:nvSpPr>
+        <p:spPr>
+          <a:xfrm>
+            <a:off x="611968" y="379122"/>
+            <a:ext cx="9658174" cy="964483"/>
+          </a:xfrm>
+        </p:spPr>
+        <p:txBody>
+          <a:bodyPr>
+            <a:normAutofit/>
+          </a:bodyPr>
+          <a:lstStyle/>
+          <a:p>
+            <a:pPr algn="l"/>
+            <a:r>
+              <a:rPr lang="en-US" dirty="0">
+                <a:solidFill>
+                  <a:schemeClr val="bg1"/>
+                </a:solidFill>
+                <a:latin typeface="Circular Std Book" panose="020B0604020101020102" pitchFamily="34" charset="0"/>
+                <a:cs typeface="Circular Std Book" panose="020B0604020101020102" pitchFamily="34" charset="0"/>
+              </a:rPr>
+              <a:t>Resources</a:t>
+            </a:r>
+            <a:r>
+              <a:rPr lang="en-GB" dirty="0">
+                <a:solidFill>
+                  <a:srgbClr val="36B7B4"/>
+                </a:solidFill>
+                <a:latin typeface="Circular Std Book" panose="020B0604020101020102" pitchFamily="34" charset="0"/>
+                <a:cs typeface="Circular Std Book" panose="020B0604020101020102" pitchFamily="34" charset="0"/>
+              </a:rPr>
+              <a:t>.</a:t>
+            </a:r>
+            <a:endParaRPr lang="en-GB" i="1" dirty="0">
+              <a:solidFill>
+                <a:srgbClr val="36B7B4"/>
+              </a:solidFill>
+              <a:latin typeface="Times New Roman" panose="02020603050405020304" pitchFamily="18" charset="0"/>
+              <a:cs typeface="Times New Roman" panose="02020603050405020304" pitchFamily="18" charset="0"/>
+            </a:endParaRPr>
+          </a:p>
+        </p:txBody>
+      </p:sp>
+      <p:pic>
+        <p:nvPicPr>
+          <p:cNvPr id="5" name="Picture 4">
+            <a:extLst>
+              <a:ext uri="{FF2B5EF4-FFF2-40B4-BE49-F238E27FC236}">
+                <a16:creationId xmlns:a16="http://schemas.microsoft.com/office/drawing/2014/main" id="{97B3923A-B3CB-4769-ACC7-75A98286FC65}"/>
+              </a:ext>
+            </a:extLst>
+          </p:cNvPr>
+          <p:cNvPicPr>
+            <a:picLocks noChangeAspect="1"/>
+          </p:cNvPicPr>
+          <p:nvPr/>
+        </p:nvPicPr>
+        <p:blipFill>
+          <a:blip r:embed="rId2"/>
+          <a:stretch>
+            <a:fillRect/>
+          </a:stretch>
+        </p:blipFill>
+        <p:spPr>
+          <a:xfrm rot="10800000">
+            <a:off x="8982075" y="186232"/>
+            <a:ext cx="3209925" cy="6105525"/>
+          </a:xfrm>
+          <a:prstGeom prst="rect">
+            <a:avLst/>
+          </a:prstGeom>
+        </p:spPr>
+      </p:pic>
+      <p:sp>
+        <p:nvSpPr>
+          <p:cNvPr id="4" name="TextBox 3">
+            <a:extLst>
+              <a:ext uri="{FF2B5EF4-FFF2-40B4-BE49-F238E27FC236}">
+                <a16:creationId xmlns:a16="http://schemas.microsoft.com/office/drawing/2014/main" id="{A6587861-B11D-83FD-A720-E9750E61B93C}"/>
+              </a:ext>
+            </a:extLst>
+          </p:cNvPr>
+          <p:cNvSpPr txBox="1"/>
+          <p:nvPr/>
+        </p:nvSpPr>
+        <p:spPr>
+          <a:xfrm>
+            <a:off x="662473" y="1587038"/>
+            <a:ext cx="8052319" cy="4278094"/>
+          </a:xfrm>
+          <a:prstGeom prst="rect">
+            <a:avLst/>
+          </a:prstGeom>
+          <a:noFill/>
+        </p:spPr>
+        <p:txBody>
+          <a:bodyPr wrap="square">
+            <a:spAutoFit/>
+          </a:bodyPr>
+          <a:lstStyle/>
+          <a:p>
+            <a:pPr algn="l"/>
+            <a:r>
+              <a:rPr lang="en-US" sz="1600" i="0" strike="noStrike" dirty="0">
+                <a:solidFill>
+                  <a:srgbClr val="F4C245"/>
+                </a:solidFill>
+                <a:effectLst/>
+                <a:latin typeface="Abadi Extra Light" panose="020B0204020104020204" pitchFamily="34" charset="0"/>
+                <a:hlinkClick r:id="rId3">
+                  <a:extLst>
+                    <a:ext uri="{A12FA001-AC4F-418D-AE19-62706E023703}">
+                      <ahyp:hlinkClr xmlns:ahyp="http://schemas.microsoft.com/office/drawing/2018/hyperlinkcolor" val="tx"/>
+                    </a:ext>
+                  </a:extLst>
+                </a:hlinkClick>
+              </a:rPr>
+              <a:t>Heroes and heroines</a:t>
+            </a:r>
+            <a:br>
+              <a:rPr lang="en-US" sz="1600" b="0" i="0" dirty="0">
+                <a:solidFill>
+                  <a:schemeClr val="bg1"/>
+                </a:solidFill>
+                <a:effectLst/>
+                <a:latin typeface="Abadi Extra Light" panose="020B0204020104020204" pitchFamily="34" charset="0"/>
+              </a:rPr>
+            </a:br>
+            <a:r>
+              <a:rPr lang="en-US" sz="1600" b="0" i="0" dirty="0">
+                <a:solidFill>
+                  <a:schemeClr val="bg1"/>
+                </a:solidFill>
+                <a:effectLst/>
+                <a:latin typeface="Abadi Extra Light" panose="020B0204020104020204" pitchFamily="34" charset="0"/>
+              </a:rPr>
+              <a:t>Biographies of some key figures in data, past and present.</a:t>
+            </a:r>
+          </a:p>
+          <a:p>
+            <a:pPr algn="l"/>
+            <a:endParaRPr lang="en-US" sz="1600" b="0" i="0" dirty="0">
+              <a:solidFill>
+                <a:schemeClr val="bg1"/>
+              </a:solidFill>
+              <a:effectLst/>
+              <a:latin typeface="Abadi Extra Light" panose="020B0204020104020204" pitchFamily="34" charset="0"/>
+            </a:endParaRPr>
+          </a:p>
+          <a:p>
+            <a:pPr algn="l"/>
+            <a:r>
+              <a:rPr lang="en-US" sz="1600" b="0" i="0" u="none" strike="noStrike" dirty="0">
+                <a:solidFill>
+                  <a:srgbClr val="F4C245"/>
+                </a:solidFill>
+                <a:effectLst/>
+                <a:latin typeface="Abadi Extra Light" panose="020B0204020104020204" pitchFamily="34" charset="0"/>
+                <a:hlinkClick r:id="rId3">
+                  <a:extLst>
+                    <a:ext uri="{A12FA001-AC4F-418D-AE19-62706E023703}">
+                      <ahyp:hlinkClr xmlns:ahyp="http://schemas.microsoft.com/office/drawing/2018/hyperlinkcolor" val="tx"/>
+                    </a:ext>
+                  </a:extLst>
+                </a:hlinkClick>
+              </a:rPr>
+              <a:t>Nightingale Magazine</a:t>
+            </a:r>
+            <a:br>
+              <a:rPr lang="en-US" sz="1600" b="0" i="0" dirty="0">
+                <a:solidFill>
+                  <a:schemeClr val="bg1"/>
+                </a:solidFill>
+                <a:effectLst/>
+                <a:latin typeface="Abadi Extra Light" panose="020B0204020104020204" pitchFamily="34" charset="0"/>
+              </a:rPr>
+            </a:br>
+            <a:r>
+              <a:rPr lang="en-US" sz="1600" b="0" i="0" dirty="0">
+                <a:solidFill>
+                  <a:schemeClr val="bg1"/>
+                </a:solidFill>
+                <a:effectLst/>
+                <a:latin typeface="Abadi Extra Light" panose="020B0204020104020204" pitchFamily="34" charset="0"/>
+              </a:rPr>
+              <a:t>The publication of the </a:t>
+            </a:r>
+            <a:r>
+              <a:rPr lang="en-US" sz="1600" b="0" i="0" u="none" strike="noStrike" dirty="0">
+                <a:solidFill>
+                  <a:schemeClr val="bg1"/>
+                </a:solidFill>
+                <a:effectLst/>
+                <a:latin typeface="Abadi Extra Light" panose="020B0204020104020204" pitchFamily="34" charset="0"/>
+                <a:hlinkClick r:id="rId4">
+                  <a:extLst>
+                    <a:ext uri="{A12FA001-AC4F-418D-AE19-62706E023703}">
+                      <ahyp:hlinkClr xmlns:ahyp="http://schemas.microsoft.com/office/drawing/2018/hyperlinkcolor" val="tx"/>
+                    </a:ext>
+                  </a:extLst>
+                </a:hlinkClick>
+              </a:rPr>
+              <a:t>Data Visualization Society</a:t>
+            </a:r>
+            <a:r>
+              <a:rPr lang="en-US" sz="1600" b="0" i="0" u="none" strike="noStrike" dirty="0">
+                <a:solidFill>
+                  <a:schemeClr val="bg1"/>
+                </a:solidFill>
+                <a:effectLst/>
+                <a:latin typeface="Abadi Extra Light" panose="020B0204020104020204" pitchFamily="34" charset="0"/>
+              </a:rPr>
+              <a:t>.</a:t>
+            </a:r>
+            <a:endParaRPr lang="en-US" sz="1600" b="0" i="0" dirty="0">
+              <a:solidFill>
+                <a:schemeClr val="bg1"/>
+              </a:solidFill>
+              <a:effectLst/>
+              <a:latin typeface="Abadi Extra Light" panose="020B0204020104020204" pitchFamily="34" charset="0"/>
+            </a:endParaRPr>
+          </a:p>
+          <a:p>
+            <a:pPr marL="742950" lvl="1" indent="-285750" algn="l">
+              <a:buFont typeface="Arial" panose="020B0604020202020204" pitchFamily="34" charset="0"/>
+              <a:buChar char="•"/>
+            </a:pPr>
+            <a:r>
+              <a:rPr lang="en-US" sz="1600" b="0" i="0" u="none" strike="noStrike" dirty="0">
+                <a:solidFill>
+                  <a:schemeClr val="bg1"/>
+                </a:solidFill>
+                <a:effectLst/>
+                <a:latin typeface="Abadi Extra Light" panose="020B0204020104020204" pitchFamily="34" charset="0"/>
+                <a:hlinkClick r:id="rId5">
+                  <a:extLst>
+                    <a:ext uri="{A12FA001-AC4F-418D-AE19-62706E023703}">
+                      <ahyp:hlinkClr xmlns:ahyp="http://schemas.microsoft.com/office/drawing/2018/hyperlinkcolor" val="tx"/>
+                    </a:ext>
+                  </a:extLst>
+                </a:hlinkClick>
+              </a:rPr>
+              <a:t>Finding the perfect blend of text and data</a:t>
+            </a:r>
+            <a:br>
+              <a:rPr lang="en-US" sz="1600" b="0" i="0" dirty="0">
+                <a:solidFill>
+                  <a:schemeClr val="bg1"/>
+                </a:solidFill>
+                <a:effectLst/>
+                <a:latin typeface="Abadi Extra Light" panose="020B0204020104020204" pitchFamily="34" charset="0"/>
+              </a:rPr>
+            </a:br>
+            <a:r>
+              <a:rPr lang="en-US" sz="1600" b="0" i="0" dirty="0">
+                <a:solidFill>
+                  <a:schemeClr val="bg1"/>
+                </a:solidFill>
+                <a:effectLst/>
+                <a:latin typeface="Abadi Extra Light" panose="020B0204020104020204" pitchFamily="34" charset="0"/>
+              </a:rPr>
+              <a:t>A talk by Dénes Csala at the Data Visualization Society’s Outlier 2023 Conference.</a:t>
+            </a:r>
+          </a:p>
+          <a:p>
+            <a:pPr algn="l"/>
+            <a:endParaRPr lang="en-US" sz="1600" b="0" i="0" u="none" strike="noStrike" dirty="0">
+              <a:solidFill>
+                <a:srgbClr val="F4C245"/>
+              </a:solidFill>
+              <a:effectLst/>
+              <a:latin typeface="Abadi Extra Light" panose="020B0204020104020204" pitchFamily="34" charset="0"/>
+              <a:hlinkClick r:id="rId3">
+                <a:extLst>
+                  <a:ext uri="{A12FA001-AC4F-418D-AE19-62706E023703}">
+                    <ahyp:hlinkClr xmlns:ahyp="http://schemas.microsoft.com/office/drawing/2018/hyperlinkcolor" val="tx"/>
+                  </a:ext>
+                </a:extLst>
+              </a:hlinkClick>
+            </a:endParaRPr>
+          </a:p>
+          <a:p>
+            <a:pPr algn="l"/>
+            <a:r>
+              <a:rPr lang="en-US" sz="1600" b="0" i="0" u="none" strike="noStrike" dirty="0">
+                <a:solidFill>
+                  <a:srgbClr val="F4C245"/>
+                </a:solidFill>
+                <a:effectLst/>
+                <a:latin typeface="Abadi Extra Light" panose="020B0204020104020204" pitchFamily="34" charset="0"/>
+                <a:hlinkClick r:id="rId3">
+                  <a:extLst>
+                    <a:ext uri="{A12FA001-AC4F-418D-AE19-62706E023703}">
+                      <ahyp:hlinkClr xmlns:ahyp="http://schemas.microsoft.com/office/drawing/2018/hyperlinkcolor" val="tx"/>
+                    </a:ext>
+                  </a:extLst>
+                </a:hlinkClick>
+              </a:rPr>
+              <a:t>MDN Starters guide</a:t>
+            </a:r>
+            <a:br>
+              <a:rPr lang="en-US" sz="1600" b="0" i="0" dirty="0">
+                <a:solidFill>
+                  <a:schemeClr val="bg1"/>
+                </a:solidFill>
+                <a:effectLst/>
+                <a:latin typeface="Abadi Extra Light" panose="020B0204020104020204" pitchFamily="34" charset="0"/>
+              </a:rPr>
+            </a:br>
+            <a:r>
+              <a:rPr lang="en-US" sz="1600" b="0" i="0" dirty="0">
+                <a:solidFill>
+                  <a:schemeClr val="bg1"/>
+                </a:solidFill>
+                <a:effectLst/>
+                <a:latin typeface="Abadi Extra Light" panose="020B0204020104020204" pitchFamily="34" charset="0"/>
+              </a:rPr>
+              <a:t>A superb intro to HTML, CSS and JavaScript from </a:t>
+            </a:r>
+            <a:r>
+              <a:rPr lang="en-US" sz="1600" b="0" i="0" u="none" strike="noStrike" dirty="0">
+                <a:solidFill>
+                  <a:schemeClr val="bg1"/>
+                </a:solidFill>
+                <a:effectLst/>
+                <a:latin typeface="Abadi Extra Light" panose="020B0204020104020204" pitchFamily="34" charset="0"/>
+                <a:hlinkClick r:id="rId6">
+                  <a:extLst>
+                    <a:ext uri="{A12FA001-AC4F-418D-AE19-62706E023703}">
+                      <ahyp:hlinkClr xmlns:ahyp="http://schemas.microsoft.com/office/drawing/2018/hyperlinkcolor" val="tx"/>
+                    </a:ext>
+                  </a:extLst>
+                </a:hlinkClick>
+              </a:rPr>
+              <a:t>Mozilla</a:t>
+            </a:r>
+            <a:r>
+              <a:rPr lang="en-US" sz="1600" b="0" i="0" u="none" strike="noStrike" dirty="0">
+                <a:solidFill>
+                  <a:schemeClr val="bg1"/>
+                </a:solidFill>
+                <a:effectLst/>
+                <a:latin typeface="Abadi Extra Light" panose="020B0204020104020204" pitchFamily="34" charset="0"/>
+              </a:rPr>
+              <a:t>.</a:t>
+            </a:r>
+            <a:endParaRPr lang="en-US" sz="1600" b="0" i="0" dirty="0">
+              <a:solidFill>
+                <a:schemeClr val="bg1"/>
+              </a:solidFill>
+              <a:effectLst/>
+              <a:latin typeface="Abadi Extra Light" panose="020B0204020104020204" pitchFamily="34" charset="0"/>
+            </a:endParaRPr>
+          </a:p>
+          <a:p>
+            <a:pPr algn="l"/>
+            <a:endParaRPr lang="en-US" sz="1600" b="0" i="0" u="none" strike="noStrike" dirty="0">
+              <a:solidFill>
+                <a:srgbClr val="F4C245"/>
+              </a:solidFill>
+              <a:effectLst/>
+              <a:latin typeface="Abadi Extra Light" panose="020B0204020104020204" pitchFamily="34" charset="0"/>
+              <a:hlinkClick r:id="rId7">
+                <a:extLst>
+                  <a:ext uri="{A12FA001-AC4F-418D-AE19-62706E023703}">
+                    <ahyp:hlinkClr xmlns:ahyp="http://schemas.microsoft.com/office/drawing/2018/hyperlinkcolor" val="tx"/>
+                  </a:ext>
+                </a:extLst>
+              </a:hlinkClick>
+            </a:endParaRPr>
+          </a:p>
+          <a:p>
+            <a:pPr algn="l"/>
+            <a:r>
+              <a:rPr lang="en-US" sz="1600" b="0" i="0" u="none" strike="noStrike" dirty="0">
+                <a:solidFill>
+                  <a:srgbClr val="F4C245"/>
+                </a:solidFill>
+                <a:effectLst/>
+                <a:latin typeface="Abadi Extra Light" panose="020B0204020104020204" pitchFamily="34" charset="0"/>
+                <a:hlinkClick r:id="rId7">
+                  <a:extLst>
+                    <a:ext uri="{A12FA001-AC4F-418D-AE19-62706E023703}">
+                      <ahyp:hlinkClr xmlns:ahyp="http://schemas.microsoft.com/office/drawing/2018/hyperlinkcolor" val="tx"/>
+                    </a:ext>
+                  </a:extLst>
+                </a:hlinkClick>
+              </a:rPr>
+              <a:t>W3Schools</a:t>
+            </a:r>
+            <a:br>
+              <a:rPr lang="en-US" sz="1600" b="0" i="0" dirty="0">
+                <a:solidFill>
+                  <a:schemeClr val="bg1"/>
+                </a:solidFill>
+                <a:effectLst/>
+                <a:latin typeface="Abadi Extra Light" panose="020B0204020104020204" pitchFamily="34" charset="0"/>
+              </a:rPr>
+            </a:br>
+            <a:r>
+              <a:rPr lang="en-US" sz="1600" b="0" i="0" dirty="0">
+                <a:solidFill>
+                  <a:schemeClr val="bg1"/>
+                </a:solidFill>
+                <a:effectLst/>
+                <a:latin typeface="Abadi Extra Light" panose="020B0204020104020204" pitchFamily="34" charset="0"/>
+              </a:rPr>
+              <a:t>An equally superb intro to HTML, CSS and JavaScript from the </a:t>
+            </a:r>
+            <a:r>
+              <a:rPr lang="en-US" sz="1600" b="0" i="0" u="none" strike="noStrike" dirty="0">
+                <a:solidFill>
+                  <a:schemeClr val="bg1"/>
+                </a:solidFill>
+                <a:effectLst/>
+                <a:latin typeface="Abadi Extra Light" panose="020B0204020104020204" pitchFamily="34" charset="0"/>
+                <a:hlinkClick r:id="rId8">
+                  <a:extLst>
+                    <a:ext uri="{A12FA001-AC4F-418D-AE19-62706E023703}">
+                      <ahyp:hlinkClr xmlns:ahyp="http://schemas.microsoft.com/office/drawing/2018/hyperlinkcolor" val="tx"/>
+                    </a:ext>
+                  </a:extLst>
+                </a:hlinkClick>
+              </a:rPr>
+              <a:t>World Wide Web Consortium</a:t>
+            </a:r>
+            <a:r>
+              <a:rPr lang="en-US" sz="1600" b="0" i="0" u="none" strike="noStrike" dirty="0">
+                <a:solidFill>
+                  <a:schemeClr val="bg1"/>
+                </a:solidFill>
+                <a:effectLst/>
+                <a:latin typeface="Abadi Extra Light" panose="020B0204020104020204" pitchFamily="34" charset="0"/>
+              </a:rPr>
+              <a:t>.</a:t>
+            </a:r>
+            <a:endParaRPr lang="en-US" sz="1600" b="0" i="0" dirty="0">
+              <a:solidFill>
+                <a:schemeClr val="bg1"/>
+              </a:solidFill>
+              <a:effectLst/>
+              <a:latin typeface="Abadi Extra Light" panose="020B0204020104020204" pitchFamily="34" charset="0"/>
+            </a:endParaRPr>
+          </a:p>
+          <a:p>
+            <a:pPr algn="l"/>
+            <a:endParaRPr lang="en-US" sz="1600" b="1" i="0" dirty="0">
+              <a:solidFill>
+                <a:schemeClr val="bg1"/>
+              </a:solidFill>
+              <a:effectLst/>
+              <a:latin typeface="Abadi Extra Light" panose="020B0204020104020204" pitchFamily="34" charset="0"/>
+            </a:endParaRPr>
+          </a:p>
+          <a:p>
+            <a:pPr algn="l"/>
+            <a:r>
+              <a:rPr lang="en-US" sz="1600" b="1" i="0" dirty="0">
+                <a:solidFill>
+                  <a:schemeClr val="bg1"/>
+                </a:solidFill>
+                <a:effectLst/>
+                <a:latin typeface="Abadi Extra Light" panose="020B0204020104020204" pitchFamily="34" charset="0"/>
+              </a:rPr>
+              <a:t>🔴 </a:t>
+            </a:r>
+            <a:r>
+              <a:rPr lang="en-US" sz="1600" b="1" i="0" dirty="0">
+                <a:solidFill>
+                  <a:srgbClr val="36B7B4"/>
+                </a:solidFill>
+                <a:effectLst/>
+                <a:latin typeface="Abadi Extra Light" panose="020B0204020104020204" pitchFamily="34" charset="0"/>
+              </a:rPr>
+              <a:t>ECO </a:t>
+            </a:r>
+            <a:r>
+              <a:rPr lang="en-US" sz="1600" b="1" i="0" dirty="0" err="1">
+                <a:solidFill>
+                  <a:srgbClr val="36B7B4"/>
+                </a:solidFill>
+                <a:effectLst/>
+                <a:latin typeface="Abadi Extra Light" panose="020B0204020104020204" pitchFamily="34" charset="0"/>
+              </a:rPr>
+              <a:t>Visualisation</a:t>
+            </a:r>
+            <a:r>
+              <a:rPr lang="en-US" sz="1600" b="1" i="0" dirty="0">
+                <a:solidFill>
+                  <a:srgbClr val="36B7B4"/>
+                </a:solidFill>
+                <a:effectLst/>
+                <a:latin typeface="Abadi Extra Light" panose="020B0204020104020204" pitchFamily="34" charset="0"/>
+              </a:rPr>
+              <a:t> Guidelines</a:t>
+            </a:r>
+          </a:p>
+          <a:p>
+            <a:pPr algn="l"/>
+            <a:r>
+              <a:rPr lang="en-US" sz="1600" b="0" i="0" dirty="0">
+                <a:solidFill>
+                  <a:schemeClr val="bg1"/>
+                </a:solidFill>
+                <a:effectLst/>
+                <a:latin typeface="Abadi Extra Light" panose="020B0204020104020204" pitchFamily="34" charset="0"/>
+              </a:rPr>
+              <a:t>Head over to our </a:t>
+            </a:r>
+            <a:r>
+              <a:rPr lang="en-US" sz="1600" i="0" u="none" strike="noStrike" dirty="0" err="1">
+                <a:solidFill>
+                  <a:srgbClr val="36B7B4"/>
+                </a:solidFill>
+                <a:effectLst/>
+                <a:latin typeface="Abadi Extra Light" panose="020B0204020104020204" pitchFamily="34" charset="0"/>
+                <a:hlinkClick r:id="rId9">
+                  <a:extLst>
+                    <a:ext uri="{A12FA001-AC4F-418D-AE19-62706E023703}">
+                      <ahyp:hlinkClr xmlns:ahyp="http://schemas.microsoft.com/office/drawing/2018/hyperlinkcolor" val="tx"/>
+                    </a:ext>
+                  </a:extLst>
+                </a:hlinkClick>
+              </a:rPr>
+              <a:t>ECOvisualisations</a:t>
+            </a:r>
+            <a:r>
+              <a:rPr lang="en-US" sz="1600" i="0" dirty="0">
+                <a:solidFill>
+                  <a:schemeClr val="bg1"/>
+                </a:solidFill>
+                <a:effectLst/>
+                <a:latin typeface="Abadi Extra Light" panose="020B0204020104020204" pitchFamily="34" charset="0"/>
+              </a:rPr>
+              <a:t> </a:t>
+            </a:r>
+            <a:r>
+              <a:rPr lang="en-US" sz="1600" b="0" i="0" dirty="0">
+                <a:solidFill>
+                  <a:schemeClr val="bg1"/>
+                </a:solidFill>
+                <a:effectLst/>
+                <a:latin typeface="Abadi Extra Light" panose="020B0204020104020204" pitchFamily="34" charset="0"/>
+              </a:rPr>
+              <a:t>repository for all </a:t>
+            </a:r>
+            <a:r>
+              <a:rPr lang="en-US" sz="1600" b="0" i="0" u="none" strike="noStrike" dirty="0">
+                <a:solidFill>
+                  <a:srgbClr val="36B7B4"/>
+                </a:solidFill>
+                <a:effectLst/>
+                <a:latin typeface="Abadi Extra Light" panose="020B0204020104020204" pitchFamily="34" charset="0"/>
+                <a:hlinkClick r:id="rId10">
+                  <a:extLst>
+                    <a:ext uri="{A12FA001-AC4F-418D-AE19-62706E023703}">
+                      <ahyp:hlinkClr xmlns:ahyp="http://schemas.microsoft.com/office/drawing/2018/hyperlinkcolor" val="tx"/>
+                    </a:ext>
+                  </a:extLst>
+                </a:hlinkClick>
+              </a:rPr>
+              <a:t>Economics Observatory</a:t>
+            </a:r>
+            <a:r>
+              <a:rPr lang="en-US" sz="1600" b="0" i="0" dirty="0">
+                <a:solidFill>
+                  <a:srgbClr val="36B7B4"/>
+                </a:solidFill>
+                <a:effectLst/>
+                <a:latin typeface="Abadi Extra Light" panose="020B0204020104020204" pitchFamily="34" charset="0"/>
+              </a:rPr>
+              <a:t> </a:t>
+            </a:r>
+            <a:r>
+              <a:rPr lang="en-US" sz="1600" b="0" i="0" dirty="0">
+                <a:solidFill>
+                  <a:schemeClr val="bg1"/>
+                </a:solidFill>
+                <a:effectLst/>
+                <a:latin typeface="Abadi Extra Light" panose="020B0204020104020204" pitchFamily="34" charset="0"/>
+              </a:rPr>
+              <a:t>charts sorted by article</a:t>
+            </a:r>
+            <a:r>
+              <a:rPr lang="en-US" sz="1600" dirty="0">
+                <a:solidFill>
+                  <a:schemeClr val="bg1"/>
+                </a:solidFill>
+                <a:latin typeface="Abadi Extra Light" panose="020B0204020104020204" pitchFamily="34" charset="0"/>
+              </a:rPr>
+              <a:t> </a:t>
+            </a:r>
+            <a:r>
+              <a:rPr lang="en-US" sz="1600" b="0" i="0" dirty="0">
+                <a:solidFill>
+                  <a:schemeClr val="bg1"/>
+                </a:solidFill>
+                <a:effectLst/>
+                <a:latin typeface="Abadi Extra Light" panose="020B0204020104020204" pitchFamily="34" charset="0"/>
+              </a:rPr>
+              <a:t>our very own </a:t>
+            </a:r>
+            <a:r>
+              <a:rPr lang="en-US" sz="1600" i="0" strike="noStrike" dirty="0">
+                <a:solidFill>
+                  <a:srgbClr val="36B7B4"/>
+                </a:solidFill>
+                <a:effectLst/>
+                <a:latin typeface="Abadi Extra Light" panose="020B0204020104020204" pitchFamily="34" charset="0"/>
+              </a:rPr>
+              <a:t>📐</a:t>
+            </a:r>
+            <a:r>
+              <a:rPr lang="en-US" sz="1600" i="0" u="none" strike="noStrike" dirty="0" err="1">
+                <a:solidFill>
+                  <a:srgbClr val="36B7B4"/>
+                </a:solidFill>
+                <a:effectLst/>
+                <a:latin typeface="Abadi Extra Light" panose="020B0204020104020204" pitchFamily="34" charset="0"/>
+                <a:hlinkClick r:id="rId11">
+                  <a:extLst>
+                    <a:ext uri="{A12FA001-AC4F-418D-AE19-62706E023703}">
+                      <ahyp:hlinkClr xmlns:ahyp="http://schemas.microsoft.com/office/drawing/2018/hyperlinkcolor" val="tx"/>
+                    </a:ext>
+                  </a:extLst>
+                </a:hlinkClick>
+              </a:rPr>
+              <a:t>visualisation</a:t>
+            </a:r>
+            <a:r>
+              <a:rPr lang="en-US" sz="1600" i="0" u="none" strike="noStrike" dirty="0">
+                <a:solidFill>
+                  <a:srgbClr val="36B7B4"/>
+                </a:solidFill>
+                <a:effectLst/>
+                <a:latin typeface="Abadi Extra Light" panose="020B0204020104020204" pitchFamily="34" charset="0"/>
+                <a:hlinkClick r:id="rId11">
+                  <a:extLst>
+                    <a:ext uri="{A12FA001-AC4F-418D-AE19-62706E023703}">
+                      <ahyp:hlinkClr xmlns:ahyp="http://schemas.microsoft.com/office/drawing/2018/hyperlinkcolor" val="tx"/>
+                    </a:ext>
+                  </a:extLst>
+                </a:hlinkClick>
+              </a:rPr>
+              <a:t> guidelines</a:t>
+            </a:r>
+            <a:r>
+              <a:rPr lang="en-US" sz="1600" b="0" i="0" dirty="0">
+                <a:solidFill>
+                  <a:schemeClr val="bg1"/>
+                </a:solidFill>
+                <a:effectLst/>
+                <a:latin typeface="Abadi Extra Light" panose="020B0204020104020204" pitchFamily="34" charset="0"/>
+              </a:rPr>
+              <a:t>.</a:t>
+            </a:r>
+            <a:endParaRPr lang="en-US" sz="1600" i="0" dirty="0">
+              <a:solidFill>
+                <a:schemeClr val="bg1"/>
+              </a:solidFill>
+              <a:effectLst/>
+              <a:latin typeface="Abadi Extra Light" panose="020B0204020104020204" pitchFamily="34" charset="0"/>
+            </a:endParaRPr>
+          </a:p>
+        </p:txBody>
+      </p:sp>
+    </p:spTree>
+    <p:extLst>
+      <p:ext uri="{BB962C8B-B14F-4D97-AF65-F5344CB8AC3E}">
+        <p14:creationId xmlns:p14="http://schemas.microsoft.com/office/powerpoint/2010/main" val="1354367836"/>
       </p:ext>
     </p:extLst>
   </p:cSld>
